--- a/Unit-2/Machine Learning - Unit - 2 - [Part 1].pptx
+++ b/Unit-2/Machine Learning - Unit - 2 - [Part 1].pptx
@@ -13,13 +13,30 @@
     <p:sldId id="261" r:id="rId7"/>
     <p:sldId id="262" r:id="rId8"/>
     <p:sldId id="263" r:id="rId9"/>
-    <p:sldId id="264" r:id="rId10"/>
-    <p:sldId id="265" r:id="rId11"/>
-    <p:sldId id="267" r:id="rId12"/>
-    <p:sldId id="268" r:id="rId13"/>
-    <p:sldId id="269" r:id="rId14"/>
-    <p:sldId id="270" r:id="rId15"/>
-    <p:sldId id="271" r:id="rId16"/>
+    <p:sldId id="272" r:id="rId10"/>
+    <p:sldId id="264" r:id="rId11"/>
+    <p:sldId id="273" r:id="rId12"/>
+    <p:sldId id="274" r:id="rId13"/>
+    <p:sldId id="275" r:id="rId14"/>
+    <p:sldId id="276" r:id="rId15"/>
+    <p:sldId id="265" r:id="rId16"/>
+    <p:sldId id="278" r:id="rId17"/>
+    <p:sldId id="279" r:id="rId18"/>
+    <p:sldId id="280" r:id="rId19"/>
+    <p:sldId id="281" r:id="rId20"/>
+    <p:sldId id="282" r:id="rId21"/>
+    <p:sldId id="283" r:id="rId22"/>
+    <p:sldId id="284" r:id="rId23"/>
+    <p:sldId id="267" r:id="rId24"/>
+    <p:sldId id="285" r:id="rId25"/>
+    <p:sldId id="286" r:id="rId26"/>
+    <p:sldId id="287" r:id="rId27"/>
+    <p:sldId id="268" r:id="rId28"/>
+    <p:sldId id="269" r:id="rId29"/>
+    <p:sldId id="270" r:id="rId30"/>
+    <p:sldId id="271" r:id="rId31"/>
+    <p:sldId id="277" r:id="rId32"/>
+    <p:sldId id="288" r:id="rId33"/>
   </p:sldIdLst>
   <p:sldSz cx="12192000" cy="6858000"/>
   <p:notesSz cx="6858000" cy="9144000"/>
@@ -275,7 +292,7 @@
           <a:p>
             <a:fld id="{45DFF0A0-38E8-42CA-AD7B-64042A4B3C0C}" type="datetimeFigureOut">
               <a:rPr lang="en-IN" smtClean="0"/>
-              <a:t>08-01-2025</a:t>
+              <a:t>13-01-2025</a:t>
             </a:fld>
             <a:endParaRPr lang="en-IN"/>
           </a:p>
@@ -475,7 +492,7 @@
           <a:p>
             <a:fld id="{45DFF0A0-38E8-42CA-AD7B-64042A4B3C0C}" type="datetimeFigureOut">
               <a:rPr lang="en-IN" smtClean="0"/>
-              <a:t>08-01-2025</a:t>
+              <a:t>13-01-2025</a:t>
             </a:fld>
             <a:endParaRPr lang="en-IN"/>
           </a:p>
@@ -685,7 +702,7 @@
           <a:p>
             <a:fld id="{45DFF0A0-38E8-42CA-AD7B-64042A4B3C0C}" type="datetimeFigureOut">
               <a:rPr lang="en-IN" smtClean="0"/>
-              <a:t>08-01-2025</a:t>
+              <a:t>13-01-2025</a:t>
             </a:fld>
             <a:endParaRPr lang="en-IN"/>
           </a:p>
@@ -885,7 +902,7 @@
           <a:p>
             <a:fld id="{45DFF0A0-38E8-42CA-AD7B-64042A4B3C0C}" type="datetimeFigureOut">
               <a:rPr lang="en-IN" smtClean="0"/>
-              <a:t>08-01-2025</a:t>
+              <a:t>13-01-2025</a:t>
             </a:fld>
             <a:endParaRPr lang="en-IN"/>
           </a:p>
@@ -1161,7 +1178,7 @@
           <a:p>
             <a:fld id="{45DFF0A0-38E8-42CA-AD7B-64042A4B3C0C}" type="datetimeFigureOut">
               <a:rPr lang="en-IN" smtClean="0"/>
-              <a:t>08-01-2025</a:t>
+              <a:t>13-01-2025</a:t>
             </a:fld>
             <a:endParaRPr lang="en-IN"/>
           </a:p>
@@ -1429,7 +1446,7 @@
           <a:p>
             <a:fld id="{45DFF0A0-38E8-42CA-AD7B-64042A4B3C0C}" type="datetimeFigureOut">
               <a:rPr lang="en-IN" smtClean="0"/>
-              <a:t>08-01-2025</a:t>
+              <a:t>13-01-2025</a:t>
             </a:fld>
             <a:endParaRPr lang="en-IN"/>
           </a:p>
@@ -1844,7 +1861,7 @@
           <a:p>
             <a:fld id="{45DFF0A0-38E8-42CA-AD7B-64042A4B3C0C}" type="datetimeFigureOut">
               <a:rPr lang="en-IN" smtClean="0"/>
-              <a:t>08-01-2025</a:t>
+              <a:t>13-01-2025</a:t>
             </a:fld>
             <a:endParaRPr lang="en-IN"/>
           </a:p>
@@ -1986,7 +2003,7 @@
           <a:p>
             <a:fld id="{45DFF0A0-38E8-42CA-AD7B-64042A4B3C0C}" type="datetimeFigureOut">
               <a:rPr lang="en-IN" smtClean="0"/>
-              <a:t>08-01-2025</a:t>
+              <a:t>13-01-2025</a:t>
             </a:fld>
             <a:endParaRPr lang="en-IN"/>
           </a:p>
@@ -2099,7 +2116,7 @@
           <a:p>
             <a:fld id="{45DFF0A0-38E8-42CA-AD7B-64042A4B3C0C}" type="datetimeFigureOut">
               <a:rPr lang="en-IN" smtClean="0"/>
-              <a:t>08-01-2025</a:t>
+              <a:t>13-01-2025</a:t>
             </a:fld>
             <a:endParaRPr lang="en-IN"/>
           </a:p>
@@ -2412,7 +2429,7 @@
           <a:p>
             <a:fld id="{45DFF0A0-38E8-42CA-AD7B-64042A4B3C0C}" type="datetimeFigureOut">
               <a:rPr lang="en-IN" smtClean="0"/>
-              <a:t>08-01-2025</a:t>
+              <a:t>13-01-2025</a:t>
             </a:fld>
             <a:endParaRPr lang="en-IN"/>
           </a:p>
@@ -2701,7 +2718,7 @@
           <a:p>
             <a:fld id="{45DFF0A0-38E8-42CA-AD7B-64042A4B3C0C}" type="datetimeFigureOut">
               <a:rPr lang="en-IN" smtClean="0"/>
-              <a:t>08-01-2025</a:t>
+              <a:t>13-01-2025</a:t>
             </a:fld>
             <a:endParaRPr lang="en-IN"/>
           </a:p>
@@ -2944,7 +2961,7 @@
           <a:p>
             <a:fld id="{45DFF0A0-38E8-42CA-AD7B-64042A4B3C0C}" type="datetimeFigureOut">
               <a:rPr lang="en-IN" smtClean="0"/>
-              <a:t>08-01-2025</a:t>
+              <a:t>13-01-2025</a:t>
             </a:fld>
             <a:endParaRPr lang="en-IN"/>
           </a:p>
@@ -3486,7 +3503,7 @@
           <p:cNvPr id="2" name="Title 1">
             <a:extLst>
               <a:ext uri="{FF2B5EF4-FFF2-40B4-BE49-F238E27FC236}">
-                <a16:creationId xmlns:a16="http://schemas.microsoft.com/office/drawing/2014/main" id="{061EBF8F-C0B7-3A4E-B51C-93AFD7B714A5}"/>
+                <a16:creationId xmlns:a16="http://schemas.microsoft.com/office/drawing/2014/main" id="{FFFEC804-C745-A73E-494E-95559B5913C9}"/>
               </a:ext>
             </a:extLst>
           </p:cNvPr>
@@ -3497,30 +3514,16 @@
             <p:ph type="title"/>
           </p:nvPr>
         </p:nvSpPr>
-        <p:spPr>
-          <a:xfrm>
-            <a:off x="838200" y="1"/>
-            <a:ext cx="10515600" cy="869429"/>
-          </a:xfrm>
-        </p:spPr>
-        <p:txBody>
-          <a:bodyPr>
-            <a:normAutofit/>
-          </a:bodyPr>
-          <a:lstStyle/>
-          <a:p>
-            <a:pPr algn="ctr"/>
-            <a:r>
-              <a:rPr lang="en-US" sz="4000" b="1" dirty="0">
-                <a:latin typeface="Times New Roman" panose="02020603050405020304" pitchFamily="18" charset="0"/>
-                <a:cs typeface="Times New Roman" panose="02020603050405020304" pitchFamily="18" charset="0"/>
-              </a:rPr>
-              <a:t>Discriminant Functions</a:t>
-            </a:r>
-            <a:endParaRPr lang="en-IN" sz="4000" b="1" dirty="0">
-              <a:latin typeface="Times New Roman" panose="02020603050405020304" pitchFamily="18" charset="0"/>
-              <a:cs typeface="Times New Roman" panose="02020603050405020304" pitchFamily="18" charset="0"/>
-            </a:endParaRPr>
+        <p:spPr/>
+        <p:txBody>
+          <a:bodyPr/>
+          <a:lstStyle/>
+          <a:p>
+            <a:r>
+              <a:rPr lang="en-US" dirty="0"/>
+              <a:t> </a:t>
+            </a:r>
+            <a:endParaRPr lang="en-IN" dirty="0"/>
           </a:p>
         </p:txBody>
       </p:sp>
@@ -3529,7 +3532,7 @@
           <p:cNvPr id="3" name="Content Placeholder 2">
             <a:extLst>
               <a:ext uri="{FF2B5EF4-FFF2-40B4-BE49-F238E27FC236}">
-                <a16:creationId xmlns:a16="http://schemas.microsoft.com/office/drawing/2014/main" id="{DF4C7B8D-6051-6D4C-7BD5-7A0B4A130B52}"/>
+                <a16:creationId xmlns:a16="http://schemas.microsoft.com/office/drawing/2014/main" id="{5DF202B4-A2B0-895D-A661-DF1D91302770}"/>
               </a:ext>
             </a:extLst>
           </p:cNvPr>
@@ -3558,10 +3561,10 @@
       </p:sp>
       <p:pic>
         <p:nvPicPr>
-          <p:cNvPr id="4" name="Picture 3">
-            <a:extLst>
-              <a:ext uri="{FF2B5EF4-FFF2-40B4-BE49-F238E27FC236}">
-                <a16:creationId xmlns:a16="http://schemas.microsoft.com/office/drawing/2014/main" id="{38200F79-5AA8-88AE-DD8E-B437C4CCAEB0}"/>
+          <p:cNvPr id="5" name="Picture 4">
+            <a:extLst>
+              <a:ext uri="{FF2B5EF4-FFF2-40B4-BE49-F238E27FC236}">
+                <a16:creationId xmlns:a16="http://schemas.microsoft.com/office/drawing/2014/main" id="{9FCDEE3A-3B8E-BEE4-F916-DE4481E4423C}"/>
               </a:ext>
             </a:extLst>
           </p:cNvPr>
@@ -3572,68 +3575,83 @@
         </p:nvPicPr>
         <p:blipFill rotWithShape="1">
           <a:blip r:embed="rId2"/>
-          <a:srcRect t="2792"/>
+          <a:srcRect b="71565"/>
           <a:stretch/>
         </p:blipFill>
         <p:spPr>
           <a:xfrm>
-            <a:off x="0" y="1274164"/>
-            <a:ext cx="12192000" cy="5583836"/>
+            <a:off x="0" y="0"/>
+            <a:ext cx="11242204" cy="480740"/>
           </a:xfrm>
           <a:prstGeom prst="rect">
             <a:avLst/>
           </a:prstGeom>
         </p:spPr>
       </p:pic>
-      <p:sp>
-        <p:nvSpPr>
-          <p:cNvPr id="6" name="TextBox 5">
-            <a:extLst>
-              <a:ext uri="{FF2B5EF4-FFF2-40B4-BE49-F238E27FC236}">
-                <a16:creationId xmlns:a16="http://schemas.microsoft.com/office/drawing/2014/main" id="{D40FD1E5-13F2-4265-3048-25420A894C13}"/>
-              </a:ext>
-            </a:extLst>
-          </p:cNvPr>
-          <p:cNvSpPr txBox="1"/>
+      <p:pic>
+        <p:nvPicPr>
+          <p:cNvPr id="7" name="Picture 6">
+            <a:extLst>
+              <a:ext uri="{FF2B5EF4-FFF2-40B4-BE49-F238E27FC236}">
+                <a16:creationId xmlns:a16="http://schemas.microsoft.com/office/drawing/2014/main" id="{8D07F094-C4C5-F109-A672-1EA432319D6A}"/>
+              </a:ext>
+            </a:extLst>
+          </p:cNvPr>
+          <p:cNvPicPr>
+            <a:picLocks noChangeAspect="1"/>
+          </p:cNvPicPr>
           <p:nvPr/>
-        </p:nvSpPr>
-        <p:spPr>
-          <a:xfrm>
-            <a:off x="-119920" y="659567"/>
-            <a:ext cx="6081010" cy="523220"/>
+        </p:nvPicPr>
+        <p:blipFill>
+          <a:blip r:embed="rId3"/>
+          <a:stretch>
+            <a:fillRect/>
+          </a:stretch>
+        </p:blipFill>
+        <p:spPr>
+          <a:xfrm>
+            <a:off x="114105" y="542748"/>
+            <a:ext cx="9344688" cy="1963913"/>
           </a:xfrm>
           <a:prstGeom prst="rect">
             <a:avLst/>
           </a:prstGeom>
-          <a:noFill/>
-        </p:spPr>
-        <p:txBody>
-          <a:bodyPr wrap="square">
-            <a:spAutoFit/>
-          </a:bodyPr>
-          <a:lstStyle/>
-          <a:p>
-            <a:r>
-              <a:rPr lang="en-IN" sz="2800" dirty="0">
-                <a:latin typeface="Times New Roman" panose="02020603050405020304" pitchFamily="18" charset="0"/>
-                <a:cs typeface="Times New Roman" panose="02020603050405020304" pitchFamily="18" charset="0"/>
-              </a:rPr>
-              <a:t> </a:t>
-            </a:r>
-            <a:r>
-              <a:rPr lang="en-IN" sz="2800" b="1" dirty="0">
-                <a:latin typeface="Times New Roman" panose="02020603050405020304" pitchFamily="18" charset="0"/>
-                <a:cs typeface="Times New Roman" panose="02020603050405020304" pitchFamily="18" charset="0"/>
-              </a:rPr>
-              <a:t>Example 1:-</a:t>
-            </a:r>
-          </a:p>
-        </p:txBody>
-      </p:sp>
+        </p:spPr>
+      </p:pic>
+      <p:pic>
+        <p:nvPicPr>
+          <p:cNvPr id="9" name="Picture 8">
+            <a:extLst>
+              <a:ext uri="{FF2B5EF4-FFF2-40B4-BE49-F238E27FC236}">
+                <a16:creationId xmlns:a16="http://schemas.microsoft.com/office/drawing/2014/main" id="{668E9439-9458-C496-224D-807170AB3773}"/>
+              </a:ext>
+            </a:extLst>
+          </p:cNvPr>
+          <p:cNvPicPr>
+            <a:picLocks noChangeAspect="1"/>
+          </p:cNvPicPr>
+          <p:nvPr/>
+        </p:nvPicPr>
+        <p:blipFill>
+          <a:blip r:embed="rId4"/>
+          <a:stretch>
+            <a:fillRect/>
+          </a:stretch>
+        </p:blipFill>
+        <p:spPr>
+          <a:xfrm>
+            <a:off x="114105" y="2506662"/>
+            <a:ext cx="8850013" cy="4351338"/>
+          </a:xfrm>
+          <a:prstGeom prst="rect">
+            <a:avLst/>
+          </a:prstGeom>
+        </p:spPr>
+      </p:pic>
     </p:spTree>
     <p:extLst>
       <p:ext uri="{BB962C8B-B14F-4D97-AF65-F5344CB8AC3E}">
-        <p14:creationId xmlns:p14="http://schemas.microsoft.com/office/powerpoint/2010/main" val="3784038462"/>
+        <p14:creationId xmlns:p14="http://schemas.microsoft.com/office/powerpoint/2010/main" val="782231885"/>
       </p:ext>
     </p:extLst>
   </p:cSld>
@@ -3665,7 +3683,7 @@
           <p:cNvPr id="2" name="Title 1">
             <a:extLst>
               <a:ext uri="{FF2B5EF4-FFF2-40B4-BE49-F238E27FC236}">
-                <a16:creationId xmlns:a16="http://schemas.microsoft.com/office/drawing/2014/main" id="{731D9EB0-08DB-950B-5335-13D2B228C215}"/>
+                <a16:creationId xmlns:a16="http://schemas.microsoft.com/office/drawing/2014/main" id="{D3C0457A-7423-6700-2B19-57941CD3032F}"/>
               </a:ext>
             </a:extLst>
           </p:cNvPr>
@@ -3694,7 +3712,7 @@
           <p:cNvPr id="3" name="Content Placeholder 2">
             <a:extLst>
               <a:ext uri="{FF2B5EF4-FFF2-40B4-BE49-F238E27FC236}">
-                <a16:creationId xmlns:a16="http://schemas.microsoft.com/office/drawing/2014/main" id="{BE489493-E4A4-04B7-D496-EEEEE8C61A48}"/>
+                <a16:creationId xmlns:a16="http://schemas.microsoft.com/office/drawing/2014/main" id="{A007A31C-AF4E-E0BB-521C-47E5BAEA9FAB}"/>
               </a:ext>
             </a:extLst>
           </p:cNvPr>
@@ -3705,7 +3723,12 @@
             <p:ph idx="1"/>
           </p:nvPr>
         </p:nvSpPr>
-        <p:spPr/>
+        <p:spPr>
+          <a:xfrm>
+            <a:off x="-555885" y="2506662"/>
+            <a:ext cx="10515600" cy="4351338"/>
+          </a:xfrm>
+        </p:spPr>
         <p:txBody>
           <a:bodyPr/>
           <a:lstStyle/>
@@ -3726,7 +3749,7 @@
           <p:cNvPr id="5" name="Picture 4">
             <a:extLst>
               <a:ext uri="{FF2B5EF4-FFF2-40B4-BE49-F238E27FC236}">
-                <a16:creationId xmlns:a16="http://schemas.microsoft.com/office/drawing/2014/main" id="{9822782B-436F-E4D9-14DD-310CE3B15F5F}"/>
+                <a16:creationId xmlns:a16="http://schemas.microsoft.com/office/drawing/2014/main" id="{2110EDD9-E07A-ED34-0A39-BABCAD691F6E}"/>
               </a:ext>
             </a:extLst>
           </p:cNvPr>
@@ -3743,20 +3766,50 @@
         </p:blipFill>
         <p:spPr>
           <a:xfrm>
-            <a:off x="0" y="559267"/>
-            <a:ext cx="12192000" cy="6298733"/>
+            <a:off x="0" y="2519884"/>
+            <a:ext cx="8544393" cy="4188755"/>
           </a:xfrm>
           <a:prstGeom prst="rect">
             <a:avLst/>
           </a:prstGeom>
         </p:spPr>
       </p:pic>
-      <p:sp>
-        <p:nvSpPr>
-          <p:cNvPr id="7" name="TextBox 6">
-            <a:extLst>
-              <a:ext uri="{FF2B5EF4-FFF2-40B4-BE49-F238E27FC236}">
-                <a16:creationId xmlns:a16="http://schemas.microsoft.com/office/drawing/2014/main" id="{7055E1C8-1C3B-1711-14E0-A6C333E69B30}"/>
+      <p:pic>
+        <p:nvPicPr>
+          <p:cNvPr id="7" name="Picture 6">
+            <a:extLst>
+              <a:ext uri="{FF2B5EF4-FFF2-40B4-BE49-F238E27FC236}">
+                <a16:creationId xmlns:a16="http://schemas.microsoft.com/office/drawing/2014/main" id="{3E235033-4E28-8485-40C2-E2FD5192E8FE}"/>
+              </a:ext>
+            </a:extLst>
+          </p:cNvPr>
+          <p:cNvPicPr>
+            <a:picLocks noChangeAspect="1"/>
+          </p:cNvPicPr>
+          <p:nvPr/>
+        </p:nvPicPr>
+        <p:blipFill>
+          <a:blip r:embed="rId3"/>
+          <a:stretch>
+            <a:fillRect/>
+          </a:stretch>
+        </p:blipFill>
+        <p:spPr>
+          <a:xfrm>
+            <a:off x="1" y="665751"/>
+            <a:ext cx="12189500" cy="1573392"/>
+          </a:xfrm>
+          <a:prstGeom prst="rect">
+            <a:avLst/>
+          </a:prstGeom>
+        </p:spPr>
+      </p:pic>
+      <p:sp>
+        <p:nvSpPr>
+          <p:cNvPr id="6" name="TextBox 5">
+            <a:extLst>
+              <a:ext uri="{FF2B5EF4-FFF2-40B4-BE49-F238E27FC236}">
+                <a16:creationId xmlns:a16="http://schemas.microsoft.com/office/drawing/2014/main" id="{321DAABC-D17E-54D6-80AF-8FC382A36E1D}"/>
               </a:ext>
             </a:extLst>
           </p:cNvPr>
@@ -3765,8 +3818,8 @@
         </p:nvSpPr>
         <p:spPr>
           <a:xfrm>
-            <a:off x="-37982" y="36047"/>
-            <a:ext cx="6093500" cy="523220"/>
+            <a:off x="2500" y="112991"/>
+            <a:ext cx="6093500" cy="584775"/>
           </a:xfrm>
           <a:prstGeom prst="rect">
             <a:avLst/>
@@ -3780,20 +3833,23 @@
           <a:lstStyle/>
           <a:p>
             <a:r>
-              <a:rPr lang="en-IN" sz="2800" b="1" dirty="0">
+              <a:rPr lang="en-US" sz="3200" b="1" dirty="0">
                 <a:latin typeface="Times New Roman" panose="02020603050405020304" pitchFamily="18" charset="0"/>
                 <a:cs typeface="Times New Roman" panose="02020603050405020304" pitchFamily="18" charset="0"/>
               </a:rPr>
-              <a:t>Example 2:-</a:t>
-            </a:r>
-            <a:endParaRPr lang="en-IN" sz="2800" b="1" dirty="0"/>
+              <a:t>Another Example:-</a:t>
+            </a:r>
+            <a:endParaRPr lang="en-IN" sz="3200" b="1" dirty="0">
+              <a:latin typeface="Times New Roman" panose="02020603050405020304" pitchFamily="18" charset="0"/>
+              <a:cs typeface="Times New Roman" panose="02020603050405020304" pitchFamily="18" charset="0"/>
+            </a:endParaRPr>
           </a:p>
         </p:txBody>
       </p:sp>
     </p:spTree>
     <p:extLst>
       <p:ext uri="{BB962C8B-B14F-4D97-AF65-F5344CB8AC3E}">
-        <p14:creationId xmlns:p14="http://schemas.microsoft.com/office/powerpoint/2010/main" val="2495139905"/>
+        <p14:creationId xmlns:p14="http://schemas.microsoft.com/office/powerpoint/2010/main" val="1723006563"/>
       </p:ext>
     </p:extLst>
   </p:cSld>
@@ -3825,7 +3881,7 @@
           <p:cNvPr id="2" name="Title 1">
             <a:extLst>
               <a:ext uri="{FF2B5EF4-FFF2-40B4-BE49-F238E27FC236}">
-                <a16:creationId xmlns:a16="http://schemas.microsoft.com/office/drawing/2014/main" id="{17EC0266-71E9-5481-D22B-7A92060D402B}"/>
+                <a16:creationId xmlns:a16="http://schemas.microsoft.com/office/drawing/2014/main" id="{49050A54-CC4C-1AB9-245F-58B0D63829CF}"/>
               </a:ext>
             </a:extLst>
           </p:cNvPr>
@@ -3841,38 +3897,6 @@
           <a:bodyPr/>
           <a:lstStyle/>
           <a:p>
-            <a:r>
-              <a:rPr lang="en-US" dirty="0"/>
-              <a:t> </a:t>
-            </a:r>
-            <a:endParaRPr lang="en-IN" dirty="0"/>
-          </a:p>
-        </p:txBody>
-      </p:sp>
-      <p:sp>
-        <p:nvSpPr>
-          <p:cNvPr id="3" name="Content Placeholder 2">
-            <a:extLst>
-              <a:ext uri="{FF2B5EF4-FFF2-40B4-BE49-F238E27FC236}">
-                <a16:creationId xmlns:a16="http://schemas.microsoft.com/office/drawing/2014/main" id="{2F0205D2-929E-FB02-6A62-C53D86B94B2A}"/>
-              </a:ext>
-            </a:extLst>
-          </p:cNvPr>
-          <p:cNvSpPr>
-            <a:spLocks noGrp="1"/>
-          </p:cNvSpPr>
-          <p:nvPr>
-            <p:ph idx="1"/>
-          </p:nvPr>
-        </p:nvSpPr>
-        <p:spPr/>
-        <p:txBody>
-          <a:bodyPr/>
-          <a:lstStyle/>
-          <a:p>
-            <a:pPr marL="0" indent="0">
-              <a:buNone/>
-            </a:pPr>
             <a:r>
               <a:rPr lang="en-US" dirty="0"/>
               <a:t> </a:t>
@@ -3886,7 +3910,7 @@
           <p:cNvPr id="7" name="Picture 6">
             <a:extLst>
               <a:ext uri="{FF2B5EF4-FFF2-40B4-BE49-F238E27FC236}">
-                <a16:creationId xmlns:a16="http://schemas.microsoft.com/office/drawing/2014/main" id="{77FD8DC4-B4F5-8B81-F71F-3079B80809F5}"/>
+                <a16:creationId xmlns:a16="http://schemas.microsoft.com/office/drawing/2014/main" id="{7AAC1D18-C785-32F8-7147-09EDCB277132}"/>
               </a:ext>
             </a:extLst>
           </p:cNvPr>
@@ -3903,8 +3927,8 @@
         </p:blipFill>
         <p:spPr>
           <a:xfrm>
-            <a:off x="-1" y="4761"/>
-            <a:ext cx="9788577" cy="2093861"/>
+            <a:off x="0" y="0"/>
+            <a:ext cx="5261548" cy="3401533"/>
           </a:xfrm>
           <a:prstGeom prst="rect">
             <a:avLst/>
@@ -3916,7 +3940,7 @@
           <p:cNvPr id="9" name="Picture 8">
             <a:extLst>
               <a:ext uri="{FF2B5EF4-FFF2-40B4-BE49-F238E27FC236}">
-                <a16:creationId xmlns:a16="http://schemas.microsoft.com/office/drawing/2014/main" id="{2D89B9A6-FDB9-3DC6-058C-57DC221703EC}"/>
+                <a16:creationId xmlns:a16="http://schemas.microsoft.com/office/drawing/2014/main" id="{993D76F0-EEE0-DA9D-3D0F-2D3935A5025A}"/>
               </a:ext>
             </a:extLst>
           </p:cNvPr>
@@ -3933,18 +3957,55 @@
         </p:blipFill>
         <p:spPr>
           <a:xfrm>
-            <a:off x="0" y="2233559"/>
-            <a:ext cx="9668656" cy="4624441"/>
+            <a:off x="0" y="3536470"/>
+            <a:ext cx="9698636" cy="3192820"/>
           </a:xfrm>
           <a:prstGeom prst="rect">
             <a:avLst/>
           </a:prstGeom>
         </p:spPr>
       </p:pic>
+      <p:sp>
+        <p:nvSpPr>
+          <p:cNvPr id="14" name="Content Placeholder 13">
+            <a:extLst>
+              <a:ext uri="{FF2B5EF4-FFF2-40B4-BE49-F238E27FC236}">
+                <a16:creationId xmlns:a16="http://schemas.microsoft.com/office/drawing/2014/main" id="{C2A4FA9D-5C1A-F676-A248-F7CE46713306}"/>
+              </a:ext>
+            </a:extLst>
+          </p:cNvPr>
+          <p:cNvSpPr>
+            <a:spLocks noGrp="1"/>
+          </p:cNvSpPr>
+          <p:nvPr>
+            <p:ph idx="1"/>
+          </p:nvPr>
+        </p:nvSpPr>
+        <p:spPr>
+          <a:xfrm>
+            <a:off x="9518754" y="1825625"/>
+            <a:ext cx="1835046" cy="4351338"/>
+          </a:xfrm>
+        </p:spPr>
+        <p:txBody>
+          <a:bodyPr/>
+          <a:lstStyle/>
+          <a:p>
+            <a:pPr marL="0" indent="0">
+              <a:buNone/>
+            </a:pPr>
+            <a:r>
+              <a:rPr lang="en-US" dirty="0"/>
+              <a:t>                          </a:t>
+            </a:r>
+            <a:endParaRPr lang="en-IN" dirty="0"/>
+          </a:p>
+        </p:txBody>
+      </p:sp>
     </p:spTree>
     <p:extLst>
       <p:ext uri="{BB962C8B-B14F-4D97-AF65-F5344CB8AC3E}">
-        <p14:creationId xmlns:p14="http://schemas.microsoft.com/office/powerpoint/2010/main" val="3697277018"/>
+        <p14:creationId xmlns:p14="http://schemas.microsoft.com/office/powerpoint/2010/main" val="271517067"/>
       </p:ext>
     </p:extLst>
   </p:cSld>
@@ -3976,7 +4037,7 @@
           <p:cNvPr id="2" name="Title 1">
             <a:extLst>
               <a:ext uri="{FF2B5EF4-FFF2-40B4-BE49-F238E27FC236}">
-                <a16:creationId xmlns:a16="http://schemas.microsoft.com/office/drawing/2014/main" id="{66095181-89B3-1912-BCE4-A9437ED58786}"/>
+                <a16:creationId xmlns:a16="http://schemas.microsoft.com/office/drawing/2014/main" id="{3CEF9F3D-7F65-2F19-9084-925D864492BD}"/>
               </a:ext>
             </a:extLst>
           </p:cNvPr>
@@ -3987,53 +4048,11 @@
             <p:ph type="title"/>
           </p:nvPr>
         </p:nvSpPr>
-        <p:spPr>
-          <a:xfrm>
-            <a:off x="0" y="1"/>
-            <a:ext cx="12192000" cy="681036"/>
-          </a:xfrm>
-        </p:spPr>
-        <p:txBody>
-          <a:bodyPr>
-            <a:normAutofit/>
-          </a:bodyPr>
-          <a:lstStyle/>
-          <a:p>
-            <a:pPr algn="ctr"/>
-            <a:r>
-              <a:rPr lang="en-IN" sz="4000" b="1" dirty="0">
-                <a:latin typeface="Times New Roman" panose="02020603050405020304" pitchFamily="18" charset="0"/>
-                <a:cs typeface="Times New Roman" panose="02020603050405020304" pitchFamily="18" charset="0"/>
-              </a:rPr>
-              <a:t>Utility Theory</a:t>
-            </a:r>
-          </a:p>
-        </p:txBody>
-      </p:sp>
-      <p:sp>
-        <p:nvSpPr>
-          <p:cNvPr id="3" name="Content Placeholder 2">
-            <a:extLst>
-              <a:ext uri="{FF2B5EF4-FFF2-40B4-BE49-F238E27FC236}">
-                <a16:creationId xmlns:a16="http://schemas.microsoft.com/office/drawing/2014/main" id="{55B41B90-A773-94C4-B1D7-9896663BEC71}"/>
-              </a:ext>
-            </a:extLst>
-          </p:cNvPr>
-          <p:cNvSpPr>
-            <a:spLocks noGrp="1"/>
-          </p:cNvSpPr>
-          <p:nvPr>
-            <p:ph idx="1"/>
-          </p:nvPr>
-        </p:nvSpPr>
         <p:spPr/>
         <p:txBody>
           <a:bodyPr/>
           <a:lstStyle/>
           <a:p>
-            <a:pPr marL="0" indent="0">
-              <a:buNone/>
-            </a:pPr>
             <a:r>
               <a:rPr lang="en-US" dirty="0"/>
               <a:t> </a:t>
@@ -4044,17 +4063,19 @@
       </p:sp>
       <p:pic>
         <p:nvPicPr>
-          <p:cNvPr id="5" name="Picture 4">
-            <a:extLst>
-              <a:ext uri="{FF2B5EF4-FFF2-40B4-BE49-F238E27FC236}">
-                <a16:creationId xmlns:a16="http://schemas.microsoft.com/office/drawing/2014/main" id="{687A53A9-8261-A3F7-A15D-756A24770B5D}"/>
+          <p:cNvPr id="4" name="Content Placeholder 4">
+            <a:extLst>
+              <a:ext uri="{FF2B5EF4-FFF2-40B4-BE49-F238E27FC236}">
+                <a16:creationId xmlns:a16="http://schemas.microsoft.com/office/drawing/2014/main" id="{A0070F9B-393D-90E7-73F7-DC45BDE9839A}"/>
               </a:ext>
             </a:extLst>
           </p:cNvPr>
           <p:cNvPicPr>
-            <a:picLocks noChangeAspect="1"/>
+            <a:picLocks noGrp="1" noChangeAspect="1"/>
           </p:cNvPicPr>
-          <p:nvPr/>
+          <p:nvPr>
+            <p:ph idx="1"/>
+          </p:nvPr>
         </p:nvPicPr>
         <p:blipFill>
           <a:blip r:embed="rId2"/>
@@ -4064,20 +4085,17 @@
         </p:blipFill>
         <p:spPr>
           <a:xfrm>
-            <a:off x="0" y="681036"/>
-            <a:ext cx="7734925" cy="3451477"/>
-          </a:xfrm>
-          <a:prstGeom prst="rect">
-            <a:avLst/>
-          </a:prstGeom>
+            <a:off x="0" y="107442"/>
+            <a:ext cx="7285220" cy="1461837"/>
+          </a:xfrm>
         </p:spPr>
       </p:pic>
       <p:pic>
         <p:nvPicPr>
-          <p:cNvPr id="7" name="Picture 6">
-            <a:extLst>
-              <a:ext uri="{FF2B5EF4-FFF2-40B4-BE49-F238E27FC236}">
-                <a16:creationId xmlns:a16="http://schemas.microsoft.com/office/drawing/2014/main" id="{5BB478BF-42E3-31FB-18C5-648ADE795CA3}"/>
+          <p:cNvPr id="6" name="Picture 5">
+            <a:extLst>
+              <a:ext uri="{FF2B5EF4-FFF2-40B4-BE49-F238E27FC236}">
+                <a16:creationId xmlns:a16="http://schemas.microsoft.com/office/drawing/2014/main" id="{33DF9CDD-6276-4B14-F93D-5F0E463F2CC6}"/>
               </a:ext>
             </a:extLst>
           </p:cNvPr>
@@ -4094,8 +4112,52 @@
         </p:blipFill>
         <p:spPr>
           <a:xfrm>
-            <a:off x="6265889" y="2506661"/>
-            <a:ext cx="5161613" cy="4376150"/>
+            <a:off x="7439314" y="227014"/>
+            <a:ext cx="2391215" cy="1211692"/>
+          </a:xfrm>
+          <a:prstGeom prst="rect">
+            <a:avLst/>
+          </a:prstGeom>
+          <a:ln w="38100" cap="sq">
+            <a:solidFill>
+              <a:srgbClr val="000000"/>
+            </a:solidFill>
+            <a:prstDash val="solid"/>
+            <a:miter lim="800000"/>
+          </a:ln>
+          <a:effectLst>
+            <a:outerShdw blurRad="50800" dist="38100" dir="2700000" algn="tl" rotWithShape="0">
+              <a:srgbClr val="000000">
+                <a:alpha val="43000"/>
+              </a:srgbClr>
+            </a:outerShdw>
+          </a:effectLst>
+        </p:spPr>
+      </p:pic>
+      <p:pic>
+        <p:nvPicPr>
+          <p:cNvPr id="10" name="Picture 9">
+            <a:extLst>
+              <a:ext uri="{FF2B5EF4-FFF2-40B4-BE49-F238E27FC236}">
+                <a16:creationId xmlns:a16="http://schemas.microsoft.com/office/drawing/2014/main" id="{A8145214-1F56-6B3E-9A06-4D5E9E7EAF1A}"/>
+              </a:ext>
+            </a:extLst>
+          </p:cNvPr>
+          <p:cNvPicPr>
+            <a:picLocks noChangeAspect="1"/>
+          </p:cNvPicPr>
+          <p:nvPr/>
+        </p:nvPicPr>
+        <p:blipFill>
+          <a:blip r:embed="rId4"/>
+          <a:stretch>
+            <a:fillRect/>
+          </a:stretch>
+        </p:blipFill>
+        <p:spPr>
+          <a:xfrm>
+            <a:off x="0" y="1683258"/>
+            <a:ext cx="8299554" cy="5174742"/>
           </a:xfrm>
           <a:prstGeom prst="rect">
             <a:avLst/>
@@ -4105,7 +4167,7 @@
     </p:spTree>
     <p:extLst>
       <p:ext uri="{BB962C8B-B14F-4D97-AF65-F5344CB8AC3E}">
-        <p14:creationId xmlns:p14="http://schemas.microsoft.com/office/powerpoint/2010/main" val="2454462640"/>
+        <p14:creationId xmlns:p14="http://schemas.microsoft.com/office/powerpoint/2010/main" val="316184173"/>
       </p:ext>
     </p:extLst>
   </p:cSld>
@@ -4137,7 +4199,7 @@
           <p:cNvPr id="2" name="Title 1">
             <a:extLst>
               <a:ext uri="{FF2B5EF4-FFF2-40B4-BE49-F238E27FC236}">
-                <a16:creationId xmlns:a16="http://schemas.microsoft.com/office/drawing/2014/main" id="{EBE5157C-C14C-6BD6-EF6D-E70C0C5C9A8E}"/>
+                <a16:creationId xmlns:a16="http://schemas.microsoft.com/office/drawing/2014/main" id="{2B50015A-BD45-9C6C-EA9D-8197B36F2AE3}"/>
               </a:ext>
             </a:extLst>
           </p:cNvPr>
@@ -4163,19 +4225,17 @@
       </p:sp>
       <p:pic>
         <p:nvPicPr>
-          <p:cNvPr id="5" name="Content Placeholder 4">
-            <a:extLst>
-              <a:ext uri="{FF2B5EF4-FFF2-40B4-BE49-F238E27FC236}">
-                <a16:creationId xmlns:a16="http://schemas.microsoft.com/office/drawing/2014/main" id="{7BFA02AD-799F-4070-E2F4-1406A2AD8126}"/>
+          <p:cNvPr id="7" name="Picture 6">
+            <a:extLst>
+              <a:ext uri="{FF2B5EF4-FFF2-40B4-BE49-F238E27FC236}">
+                <a16:creationId xmlns:a16="http://schemas.microsoft.com/office/drawing/2014/main" id="{3A88DD86-C976-53C1-0527-C693662BBF4D}"/>
               </a:ext>
             </a:extLst>
           </p:cNvPr>
           <p:cNvPicPr>
-            <a:picLocks noGrp="1" noChangeAspect="1"/>
+            <a:picLocks noChangeAspect="1"/>
           </p:cNvPicPr>
-          <p:nvPr>
-            <p:ph idx="1"/>
-          </p:nvPr>
+          <p:nvPr/>
         </p:nvPicPr>
         <p:blipFill>
           <a:blip r:embed="rId2"/>
@@ -4185,24 +4245,29 @@
         </p:blipFill>
         <p:spPr>
           <a:xfrm>
-            <a:off x="0" y="0"/>
-            <a:ext cx="6280880" cy="3587301"/>
-          </a:xfrm>
+            <a:off x="178711" y="3052228"/>
+            <a:ext cx="8950300" cy="3805772"/>
+          </a:xfrm>
+          <a:prstGeom prst="rect">
+            <a:avLst/>
+          </a:prstGeom>
         </p:spPr>
       </p:pic>
       <p:pic>
         <p:nvPicPr>
-          <p:cNvPr id="7" name="Picture 6">
-            <a:extLst>
-              <a:ext uri="{FF2B5EF4-FFF2-40B4-BE49-F238E27FC236}">
-                <a16:creationId xmlns:a16="http://schemas.microsoft.com/office/drawing/2014/main" id="{1F38B8EE-876E-AE74-64EC-BAE3EDC19CAB}"/>
+          <p:cNvPr id="11" name="Content Placeholder 10">
+            <a:extLst>
+              <a:ext uri="{FF2B5EF4-FFF2-40B4-BE49-F238E27FC236}">
+                <a16:creationId xmlns:a16="http://schemas.microsoft.com/office/drawing/2014/main" id="{BBD437B9-C6C0-CA64-1659-AEF9E76CD7BF}"/>
               </a:ext>
             </a:extLst>
           </p:cNvPr>
           <p:cNvPicPr>
-            <a:picLocks noChangeAspect="1"/>
+            <a:picLocks noGrp="1" noChangeAspect="1"/>
           </p:cNvPicPr>
-          <p:nvPr/>
+          <p:nvPr>
+            <p:ph idx="1"/>
+          </p:nvPr>
         </p:nvPicPr>
         <p:blipFill>
           <a:blip r:embed="rId3"/>
@@ -4212,18 +4277,15 @@
         </p:blipFill>
         <p:spPr>
           <a:xfrm>
-            <a:off x="116876" y="3782114"/>
-            <a:ext cx="5339544" cy="3065560"/>
-          </a:xfrm>
-          <a:prstGeom prst="rect">
-            <a:avLst/>
-          </a:prstGeom>
+            <a:off x="178711" y="156317"/>
+            <a:ext cx="8820150" cy="2743200"/>
+          </a:xfrm>
         </p:spPr>
       </p:pic>
     </p:spTree>
     <p:extLst>
       <p:ext uri="{BB962C8B-B14F-4D97-AF65-F5344CB8AC3E}">
-        <p14:creationId xmlns:p14="http://schemas.microsoft.com/office/powerpoint/2010/main" val="1122714187"/>
+        <p14:creationId xmlns:p14="http://schemas.microsoft.com/office/powerpoint/2010/main" val="1946321247"/>
       </p:ext>
     </p:extLst>
   </p:cSld>
@@ -4255,7 +4317,228 @@
           <p:cNvPr id="2" name="Title 1">
             <a:extLst>
               <a:ext uri="{FF2B5EF4-FFF2-40B4-BE49-F238E27FC236}">
-                <a16:creationId xmlns:a16="http://schemas.microsoft.com/office/drawing/2014/main" id="{2E996509-A88F-E6A2-CCAD-791DE7AABF68}"/>
+                <a16:creationId xmlns:a16="http://schemas.microsoft.com/office/drawing/2014/main" id="{061EBF8F-C0B7-3A4E-B51C-93AFD7B714A5}"/>
+              </a:ext>
+            </a:extLst>
+          </p:cNvPr>
+          <p:cNvSpPr>
+            <a:spLocks noGrp="1"/>
+          </p:cNvSpPr>
+          <p:nvPr>
+            <p:ph type="title"/>
+          </p:nvPr>
+        </p:nvSpPr>
+        <p:spPr>
+          <a:xfrm>
+            <a:off x="838200" y="1"/>
+            <a:ext cx="10515600" cy="869429"/>
+          </a:xfrm>
+        </p:spPr>
+        <p:txBody>
+          <a:bodyPr>
+            <a:normAutofit/>
+          </a:bodyPr>
+          <a:lstStyle/>
+          <a:p>
+            <a:pPr algn="ctr"/>
+            <a:r>
+              <a:rPr lang="en-US" sz="4000" b="1" dirty="0">
+                <a:latin typeface="Times New Roman" panose="02020603050405020304" pitchFamily="18" charset="0"/>
+                <a:cs typeface="Times New Roman" panose="02020603050405020304" pitchFamily="18" charset="0"/>
+              </a:rPr>
+              <a:t>Discriminant Functions</a:t>
+            </a:r>
+            <a:endParaRPr lang="en-IN" sz="4000" b="1" dirty="0">
+              <a:latin typeface="Times New Roman" panose="02020603050405020304" pitchFamily="18" charset="0"/>
+              <a:cs typeface="Times New Roman" panose="02020603050405020304" pitchFamily="18" charset="0"/>
+            </a:endParaRPr>
+          </a:p>
+        </p:txBody>
+      </p:sp>
+      <p:sp>
+        <p:nvSpPr>
+          <p:cNvPr id="3" name="Content Placeholder 2">
+            <a:extLst>
+              <a:ext uri="{FF2B5EF4-FFF2-40B4-BE49-F238E27FC236}">
+                <a16:creationId xmlns:a16="http://schemas.microsoft.com/office/drawing/2014/main" id="{DF4C7B8D-6051-6D4C-7BD5-7A0B4A130B52}"/>
+              </a:ext>
+            </a:extLst>
+          </p:cNvPr>
+          <p:cNvSpPr>
+            <a:spLocks noGrp="1"/>
+          </p:cNvSpPr>
+          <p:nvPr>
+            <p:ph idx="1"/>
+          </p:nvPr>
+        </p:nvSpPr>
+        <p:spPr/>
+        <p:txBody>
+          <a:bodyPr/>
+          <a:lstStyle/>
+          <a:p>
+            <a:pPr marL="0" indent="0">
+              <a:buNone/>
+            </a:pPr>
+            <a:r>
+              <a:rPr lang="en-US" dirty="0"/>
+              <a:t> </a:t>
+            </a:r>
+            <a:endParaRPr lang="en-IN" dirty="0"/>
+          </a:p>
+        </p:txBody>
+      </p:sp>
+      <p:pic>
+        <p:nvPicPr>
+          <p:cNvPr id="4" name="Picture 3">
+            <a:extLst>
+              <a:ext uri="{FF2B5EF4-FFF2-40B4-BE49-F238E27FC236}">
+                <a16:creationId xmlns:a16="http://schemas.microsoft.com/office/drawing/2014/main" id="{38200F79-5AA8-88AE-DD8E-B437C4CCAEB0}"/>
+              </a:ext>
+            </a:extLst>
+          </p:cNvPr>
+          <p:cNvPicPr>
+            <a:picLocks noChangeAspect="1"/>
+          </p:cNvPicPr>
+          <p:nvPr/>
+        </p:nvPicPr>
+        <p:blipFill rotWithShape="1">
+          <a:blip r:embed="rId2"/>
+          <a:srcRect t="2792"/>
+          <a:stretch/>
+        </p:blipFill>
+        <p:spPr>
+          <a:xfrm>
+            <a:off x="0" y="2142475"/>
+            <a:ext cx="8979108" cy="4715524"/>
+          </a:xfrm>
+          <a:prstGeom prst="rect">
+            <a:avLst/>
+          </a:prstGeom>
+        </p:spPr>
+      </p:pic>
+      <p:sp>
+        <p:nvSpPr>
+          <p:cNvPr id="6" name="TextBox 5">
+            <a:extLst>
+              <a:ext uri="{FF2B5EF4-FFF2-40B4-BE49-F238E27FC236}">
+                <a16:creationId xmlns:a16="http://schemas.microsoft.com/office/drawing/2014/main" id="{D40FD1E5-13F2-4265-3048-25420A894C13}"/>
+              </a:ext>
+            </a:extLst>
+          </p:cNvPr>
+          <p:cNvSpPr txBox="1"/>
+          <p:nvPr/>
+        </p:nvSpPr>
+        <p:spPr>
+          <a:xfrm>
+            <a:off x="-119920" y="659567"/>
+            <a:ext cx="6081010" cy="523220"/>
+          </a:xfrm>
+          <a:prstGeom prst="rect">
+            <a:avLst/>
+          </a:prstGeom>
+          <a:noFill/>
+        </p:spPr>
+        <p:txBody>
+          <a:bodyPr wrap="square">
+            <a:spAutoFit/>
+          </a:bodyPr>
+          <a:lstStyle/>
+          <a:p>
+            <a:r>
+              <a:rPr lang="en-IN" sz="2800" dirty="0">
+                <a:latin typeface="Times New Roman" panose="02020603050405020304" pitchFamily="18" charset="0"/>
+                <a:cs typeface="Times New Roman" panose="02020603050405020304" pitchFamily="18" charset="0"/>
+              </a:rPr>
+              <a:t> </a:t>
+            </a:r>
+            <a:r>
+              <a:rPr lang="en-IN" sz="2800" b="1" dirty="0">
+                <a:latin typeface="Times New Roman" panose="02020603050405020304" pitchFamily="18" charset="0"/>
+                <a:cs typeface="Times New Roman" panose="02020603050405020304" pitchFamily="18" charset="0"/>
+              </a:rPr>
+              <a:t>Example 1:-</a:t>
+            </a:r>
+          </a:p>
+        </p:txBody>
+      </p:sp>
+      <p:sp>
+        <p:nvSpPr>
+          <p:cNvPr id="7" name="TextBox 6">
+            <a:extLst>
+              <a:ext uri="{FF2B5EF4-FFF2-40B4-BE49-F238E27FC236}">
+                <a16:creationId xmlns:a16="http://schemas.microsoft.com/office/drawing/2014/main" id="{021BF73E-2109-D386-7709-46056E8EC3AE}"/>
+              </a:ext>
+            </a:extLst>
+          </p:cNvPr>
+          <p:cNvSpPr txBox="1"/>
+          <p:nvPr/>
+        </p:nvSpPr>
+        <p:spPr>
+          <a:xfrm>
+            <a:off x="0" y="1182787"/>
+            <a:ext cx="12192000" cy="830997"/>
+          </a:xfrm>
+          <a:prstGeom prst="rect">
+            <a:avLst/>
+          </a:prstGeom>
+          <a:noFill/>
+        </p:spPr>
+        <p:txBody>
+          <a:bodyPr wrap="square">
+            <a:spAutoFit/>
+          </a:bodyPr>
+          <a:lstStyle/>
+          <a:p>
+            <a:r>
+              <a:rPr lang="en-US" sz="2400" b="1" dirty="0">
+                <a:latin typeface="Times New Roman" panose="02020603050405020304" pitchFamily="18" charset="0"/>
+                <a:cs typeface="Times New Roman" panose="02020603050405020304" pitchFamily="18" charset="0"/>
+              </a:rPr>
+              <a:t>Imagine you have some clues (represented by 'x') about an email. Based on these clues, there's a 70% chance it's spam and a 30% chance it's not.</a:t>
+            </a:r>
+            <a:endParaRPr lang="en-IN" sz="2400" b="1" dirty="0">
+              <a:latin typeface="Times New Roman" panose="02020603050405020304" pitchFamily="18" charset="0"/>
+              <a:cs typeface="Times New Roman" panose="02020603050405020304" pitchFamily="18" charset="0"/>
+            </a:endParaRPr>
+          </a:p>
+        </p:txBody>
+      </p:sp>
+    </p:spTree>
+    <p:extLst>
+      <p:ext uri="{BB962C8B-B14F-4D97-AF65-F5344CB8AC3E}">
+        <p14:creationId xmlns:p14="http://schemas.microsoft.com/office/powerpoint/2010/main" val="3784038462"/>
+      </p:ext>
+    </p:extLst>
+  </p:cSld>
+  <p:clrMapOvr>
+    <a:masterClrMapping/>
+  </p:clrMapOvr>
+</p:sld>
+</file>
+
+<file path=ppt/slides/slide16.xml><?xml version="1.0" encoding="utf-8"?>
+<p:sld xmlns:a="http://schemas.openxmlformats.org/drawingml/2006/main" xmlns:r="http://schemas.openxmlformats.org/officeDocument/2006/relationships" xmlns:p="http://schemas.openxmlformats.org/presentationml/2006/main">
+  <p:cSld>
+    <p:spTree>
+      <p:nvGrpSpPr>
+        <p:cNvPr id="1" name=""/>
+        <p:cNvGrpSpPr/>
+        <p:nvPr/>
+      </p:nvGrpSpPr>
+      <p:grpSpPr>
+        <a:xfrm>
+          <a:off x="0" y="0"/>
+          <a:ext cx="0" cy="0"/>
+          <a:chOff x="0" y="0"/>
+          <a:chExt cx="0" cy="0"/>
+        </a:xfrm>
+      </p:grpSpPr>
+      <p:sp>
+        <p:nvSpPr>
+          <p:cNvPr id="2" name="Title 1">
+            <a:extLst>
+              <a:ext uri="{FF2B5EF4-FFF2-40B4-BE49-F238E27FC236}">
+                <a16:creationId xmlns:a16="http://schemas.microsoft.com/office/drawing/2014/main" id="{1D3A5710-6D96-DB2F-B20D-8EFCAFA6527A}"/>
               </a:ext>
             </a:extLst>
           </p:cNvPr>
@@ -4284,7 +4567,7 @@
           <p:cNvPr id="5" name="Content Placeholder 4">
             <a:extLst>
               <a:ext uri="{FF2B5EF4-FFF2-40B4-BE49-F238E27FC236}">
-                <a16:creationId xmlns:a16="http://schemas.microsoft.com/office/drawing/2014/main" id="{5D7CAE34-7BC4-35D0-4F12-009A3E0D382B}"/>
+                <a16:creationId xmlns:a16="http://schemas.microsoft.com/office/drawing/2014/main" id="{4F96DEF1-B66E-840E-8FE0-CD97DEC569A1}"/>
               </a:ext>
             </a:extLst>
           </p:cNvPr>
@@ -4303,17 +4586,17 @@
         </p:blipFill>
         <p:spPr>
           <a:xfrm>
-            <a:off x="0" y="-1"/>
-            <a:ext cx="8964118" cy="3897443"/>
+            <a:off x="0" y="996442"/>
+            <a:ext cx="9218951" cy="1286694"/>
           </a:xfrm>
         </p:spPr>
       </p:pic>
       <p:pic>
         <p:nvPicPr>
-          <p:cNvPr id="9" name="Picture 8">
-            <a:extLst>
-              <a:ext uri="{FF2B5EF4-FFF2-40B4-BE49-F238E27FC236}">
-                <a16:creationId xmlns:a16="http://schemas.microsoft.com/office/drawing/2014/main" id="{6302AD04-6DD3-074E-BF29-04ACDD513DF0}"/>
+          <p:cNvPr id="7" name="Picture 6">
+            <a:extLst>
+              <a:ext uri="{FF2B5EF4-FFF2-40B4-BE49-F238E27FC236}">
+                <a16:creationId xmlns:a16="http://schemas.microsoft.com/office/drawing/2014/main" id="{C032AEE0-58C7-56D1-6495-F63A202CA3FE}"/>
               </a:ext>
             </a:extLst>
           </p:cNvPr>
@@ -4330,32 +4613,435 @@
         </p:blipFill>
         <p:spPr>
           <a:xfrm>
-            <a:off x="3357797" y="3569840"/>
-            <a:ext cx="8619085" cy="3072937"/>
+            <a:off x="0" y="2465077"/>
+            <a:ext cx="8919148" cy="4219575"/>
           </a:xfrm>
           <a:prstGeom prst="rect">
             <a:avLst/>
           </a:prstGeom>
-          <a:ln w="38100" cap="sq">
-            <a:solidFill>
-              <a:srgbClr val="000000"/>
-            </a:solidFill>
-            <a:prstDash val="solid"/>
-            <a:miter lim="800000"/>
-          </a:ln>
-          <a:effectLst>
-            <a:outerShdw blurRad="50800" dist="38100" dir="2700000" algn="tl" rotWithShape="0">
-              <a:srgbClr val="000000">
-                <a:alpha val="43000"/>
-              </a:srgbClr>
-            </a:outerShdw>
-          </a:effectLst>
+        </p:spPr>
+      </p:pic>
+      <p:pic>
+        <p:nvPicPr>
+          <p:cNvPr id="9" name="Picture 8">
+            <a:extLst>
+              <a:ext uri="{FF2B5EF4-FFF2-40B4-BE49-F238E27FC236}">
+                <a16:creationId xmlns:a16="http://schemas.microsoft.com/office/drawing/2014/main" id="{DE08F78E-19FA-0D53-1597-806CF3040335}"/>
+              </a:ext>
+            </a:extLst>
+          </p:cNvPr>
+          <p:cNvPicPr>
+            <a:picLocks noChangeAspect="1"/>
+          </p:cNvPicPr>
+          <p:nvPr/>
+        </p:nvPicPr>
+        <p:blipFill>
+          <a:blip r:embed="rId4"/>
+          <a:stretch>
+            <a:fillRect/>
+          </a:stretch>
+        </p:blipFill>
+        <p:spPr>
+          <a:xfrm>
+            <a:off x="0" y="292412"/>
+            <a:ext cx="3282846" cy="631317"/>
+          </a:xfrm>
+          <a:prstGeom prst="rect">
+            <a:avLst/>
+          </a:prstGeom>
         </p:spPr>
       </p:pic>
     </p:spTree>
     <p:extLst>
       <p:ext uri="{BB962C8B-B14F-4D97-AF65-F5344CB8AC3E}">
-        <p14:creationId xmlns:p14="http://schemas.microsoft.com/office/powerpoint/2010/main" val="251272542"/>
+        <p14:creationId xmlns:p14="http://schemas.microsoft.com/office/powerpoint/2010/main" val="565597589"/>
+      </p:ext>
+    </p:extLst>
+  </p:cSld>
+  <p:clrMapOvr>
+    <a:masterClrMapping/>
+  </p:clrMapOvr>
+</p:sld>
+</file>
+
+<file path=ppt/slides/slide17.xml><?xml version="1.0" encoding="utf-8"?>
+<p:sld xmlns:a="http://schemas.openxmlformats.org/drawingml/2006/main" xmlns:r="http://schemas.openxmlformats.org/officeDocument/2006/relationships" xmlns:p="http://schemas.openxmlformats.org/presentationml/2006/main">
+  <p:cSld>
+    <p:spTree>
+      <p:nvGrpSpPr>
+        <p:cNvPr id="1" name=""/>
+        <p:cNvGrpSpPr/>
+        <p:nvPr/>
+      </p:nvGrpSpPr>
+      <p:grpSpPr>
+        <a:xfrm>
+          <a:off x="0" y="0"/>
+          <a:ext cx="0" cy="0"/>
+          <a:chOff x="0" y="0"/>
+          <a:chExt cx="0" cy="0"/>
+        </a:xfrm>
+      </p:grpSpPr>
+      <p:sp>
+        <p:nvSpPr>
+          <p:cNvPr id="2" name="Title 1">
+            <a:extLst>
+              <a:ext uri="{FF2B5EF4-FFF2-40B4-BE49-F238E27FC236}">
+                <a16:creationId xmlns:a16="http://schemas.microsoft.com/office/drawing/2014/main" id="{8134B0A2-D422-E46A-F359-4737A6292001}"/>
+              </a:ext>
+            </a:extLst>
+          </p:cNvPr>
+          <p:cNvSpPr>
+            <a:spLocks noGrp="1"/>
+          </p:cNvSpPr>
+          <p:nvPr>
+            <p:ph type="title"/>
+          </p:nvPr>
+        </p:nvSpPr>
+        <p:spPr/>
+        <p:txBody>
+          <a:bodyPr/>
+          <a:lstStyle/>
+          <a:p>
+            <a:r>
+              <a:rPr lang="en-US" dirty="0"/>
+              <a:t> </a:t>
+            </a:r>
+            <a:endParaRPr lang="en-IN" dirty="0"/>
+          </a:p>
+        </p:txBody>
+      </p:sp>
+      <p:sp>
+        <p:nvSpPr>
+          <p:cNvPr id="3" name="Content Placeholder 2">
+            <a:extLst>
+              <a:ext uri="{FF2B5EF4-FFF2-40B4-BE49-F238E27FC236}">
+                <a16:creationId xmlns:a16="http://schemas.microsoft.com/office/drawing/2014/main" id="{072EA6B4-2B5E-36C2-B416-CA86AAA1797E}"/>
+              </a:ext>
+            </a:extLst>
+          </p:cNvPr>
+          <p:cNvSpPr>
+            <a:spLocks noGrp="1"/>
+          </p:cNvSpPr>
+          <p:nvPr>
+            <p:ph idx="1"/>
+          </p:nvPr>
+        </p:nvSpPr>
+        <p:spPr/>
+        <p:txBody>
+          <a:bodyPr/>
+          <a:lstStyle/>
+          <a:p>
+            <a:pPr marL="0" indent="0">
+              <a:buNone/>
+            </a:pPr>
+            <a:r>
+              <a:rPr lang="en-US" dirty="0"/>
+              <a:t> </a:t>
+            </a:r>
+            <a:endParaRPr lang="en-IN" dirty="0"/>
+          </a:p>
+        </p:txBody>
+      </p:sp>
+      <p:pic>
+        <p:nvPicPr>
+          <p:cNvPr id="5" name="Picture 4">
+            <a:extLst>
+              <a:ext uri="{FF2B5EF4-FFF2-40B4-BE49-F238E27FC236}">
+                <a16:creationId xmlns:a16="http://schemas.microsoft.com/office/drawing/2014/main" id="{75AF77AF-9EAE-A758-0E0D-39F8112042F5}"/>
+              </a:ext>
+            </a:extLst>
+          </p:cNvPr>
+          <p:cNvPicPr>
+            <a:picLocks noChangeAspect="1"/>
+          </p:cNvPicPr>
+          <p:nvPr/>
+        </p:nvPicPr>
+        <p:blipFill>
+          <a:blip r:embed="rId2"/>
+          <a:stretch>
+            <a:fillRect/>
+          </a:stretch>
+        </p:blipFill>
+        <p:spPr>
+          <a:xfrm>
+            <a:off x="0" y="-1"/>
+            <a:ext cx="10328223" cy="3902805"/>
+          </a:xfrm>
+          <a:prstGeom prst="rect">
+            <a:avLst/>
+          </a:prstGeom>
+        </p:spPr>
+      </p:pic>
+      <p:pic>
+        <p:nvPicPr>
+          <p:cNvPr id="7" name="Picture 6">
+            <a:extLst>
+              <a:ext uri="{FF2B5EF4-FFF2-40B4-BE49-F238E27FC236}">
+                <a16:creationId xmlns:a16="http://schemas.microsoft.com/office/drawing/2014/main" id="{06E4F82D-2538-E019-6833-C45B2DEFD918}"/>
+              </a:ext>
+            </a:extLst>
+          </p:cNvPr>
+          <p:cNvPicPr>
+            <a:picLocks noChangeAspect="1"/>
+          </p:cNvPicPr>
+          <p:nvPr/>
+        </p:nvPicPr>
+        <p:blipFill>
+          <a:blip r:embed="rId3"/>
+          <a:stretch>
+            <a:fillRect/>
+          </a:stretch>
+        </p:blipFill>
+        <p:spPr>
+          <a:xfrm>
+            <a:off x="234533" y="3902804"/>
+            <a:ext cx="8249899" cy="2834346"/>
+          </a:xfrm>
+          <a:prstGeom prst="rect">
+            <a:avLst/>
+          </a:prstGeom>
+        </p:spPr>
+      </p:pic>
+    </p:spTree>
+    <p:extLst>
+      <p:ext uri="{BB962C8B-B14F-4D97-AF65-F5344CB8AC3E}">
+        <p14:creationId xmlns:p14="http://schemas.microsoft.com/office/powerpoint/2010/main" val="4143854223"/>
+      </p:ext>
+    </p:extLst>
+  </p:cSld>
+  <p:clrMapOvr>
+    <a:masterClrMapping/>
+  </p:clrMapOvr>
+</p:sld>
+</file>
+
+<file path=ppt/slides/slide18.xml><?xml version="1.0" encoding="utf-8"?>
+<p:sld xmlns:a="http://schemas.openxmlformats.org/drawingml/2006/main" xmlns:r="http://schemas.openxmlformats.org/officeDocument/2006/relationships" xmlns:p="http://schemas.openxmlformats.org/presentationml/2006/main">
+  <p:cSld>
+    <p:spTree>
+      <p:nvGrpSpPr>
+        <p:cNvPr id="1" name=""/>
+        <p:cNvGrpSpPr/>
+        <p:nvPr/>
+      </p:nvGrpSpPr>
+      <p:grpSpPr>
+        <a:xfrm>
+          <a:off x="0" y="0"/>
+          <a:ext cx="0" cy="0"/>
+          <a:chOff x="0" y="0"/>
+          <a:chExt cx="0" cy="0"/>
+        </a:xfrm>
+      </p:grpSpPr>
+      <p:sp>
+        <p:nvSpPr>
+          <p:cNvPr id="2" name="Title 1">
+            <a:extLst>
+              <a:ext uri="{FF2B5EF4-FFF2-40B4-BE49-F238E27FC236}">
+                <a16:creationId xmlns:a16="http://schemas.microsoft.com/office/drawing/2014/main" id="{5A671031-2B97-06DF-239F-EBB4CF50E4CB}"/>
+              </a:ext>
+            </a:extLst>
+          </p:cNvPr>
+          <p:cNvSpPr>
+            <a:spLocks noGrp="1"/>
+          </p:cNvSpPr>
+          <p:nvPr>
+            <p:ph type="title"/>
+          </p:nvPr>
+        </p:nvSpPr>
+        <p:spPr/>
+        <p:txBody>
+          <a:bodyPr/>
+          <a:lstStyle/>
+          <a:p>
+            <a:r>
+              <a:rPr lang="en-US" dirty="0"/>
+              <a:t> </a:t>
+            </a:r>
+            <a:endParaRPr lang="en-IN" dirty="0"/>
+          </a:p>
+        </p:txBody>
+      </p:sp>
+      <p:pic>
+        <p:nvPicPr>
+          <p:cNvPr id="5" name="Content Placeholder 4">
+            <a:extLst>
+              <a:ext uri="{FF2B5EF4-FFF2-40B4-BE49-F238E27FC236}">
+                <a16:creationId xmlns:a16="http://schemas.microsoft.com/office/drawing/2014/main" id="{C5059299-F52A-27C5-D004-38196A1B386F}"/>
+              </a:ext>
+            </a:extLst>
+          </p:cNvPr>
+          <p:cNvPicPr>
+            <a:picLocks noGrp="1" noChangeAspect="1"/>
+          </p:cNvPicPr>
+          <p:nvPr>
+            <p:ph idx="1"/>
+          </p:nvPr>
+        </p:nvPicPr>
+        <p:blipFill>
+          <a:blip r:embed="rId2"/>
+          <a:stretch>
+            <a:fillRect/>
+          </a:stretch>
+        </p:blipFill>
+        <p:spPr>
+          <a:xfrm>
+            <a:off x="0" y="13493"/>
+            <a:ext cx="9313257" cy="3194402"/>
+          </a:xfrm>
+        </p:spPr>
+      </p:pic>
+      <p:pic>
+        <p:nvPicPr>
+          <p:cNvPr id="7" name="Picture 6">
+            <a:extLst>
+              <a:ext uri="{FF2B5EF4-FFF2-40B4-BE49-F238E27FC236}">
+                <a16:creationId xmlns:a16="http://schemas.microsoft.com/office/drawing/2014/main" id="{3098AD35-FA7F-96D2-A0BD-5F43BD6D37FC}"/>
+              </a:ext>
+            </a:extLst>
+          </p:cNvPr>
+          <p:cNvPicPr>
+            <a:picLocks noChangeAspect="1"/>
+          </p:cNvPicPr>
+          <p:nvPr/>
+        </p:nvPicPr>
+        <p:blipFill>
+          <a:blip r:embed="rId3"/>
+          <a:stretch>
+            <a:fillRect/>
+          </a:stretch>
+        </p:blipFill>
+        <p:spPr>
+          <a:xfrm>
+            <a:off x="347194" y="3117953"/>
+            <a:ext cx="9186550" cy="3726553"/>
+          </a:xfrm>
+          <a:prstGeom prst="rect">
+            <a:avLst/>
+          </a:prstGeom>
+        </p:spPr>
+      </p:pic>
+    </p:spTree>
+    <p:extLst>
+      <p:ext uri="{BB962C8B-B14F-4D97-AF65-F5344CB8AC3E}">
+        <p14:creationId xmlns:p14="http://schemas.microsoft.com/office/powerpoint/2010/main" val="3431861034"/>
+      </p:ext>
+    </p:extLst>
+  </p:cSld>
+  <p:clrMapOvr>
+    <a:masterClrMapping/>
+  </p:clrMapOvr>
+</p:sld>
+</file>
+
+<file path=ppt/slides/slide19.xml><?xml version="1.0" encoding="utf-8"?>
+<p:sld xmlns:a="http://schemas.openxmlformats.org/drawingml/2006/main" xmlns:r="http://schemas.openxmlformats.org/officeDocument/2006/relationships" xmlns:p="http://schemas.openxmlformats.org/presentationml/2006/main">
+  <p:cSld>
+    <p:spTree>
+      <p:nvGrpSpPr>
+        <p:cNvPr id="1" name=""/>
+        <p:cNvGrpSpPr/>
+        <p:nvPr/>
+      </p:nvGrpSpPr>
+      <p:grpSpPr>
+        <a:xfrm>
+          <a:off x="0" y="0"/>
+          <a:ext cx="0" cy="0"/>
+          <a:chOff x="0" y="0"/>
+          <a:chExt cx="0" cy="0"/>
+        </a:xfrm>
+      </p:grpSpPr>
+      <p:sp>
+        <p:nvSpPr>
+          <p:cNvPr id="2" name="Title 1">
+            <a:extLst>
+              <a:ext uri="{FF2B5EF4-FFF2-40B4-BE49-F238E27FC236}">
+                <a16:creationId xmlns:a16="http://schemas.microsoft.com/office/drawing/2014/main" id="{203FD78B-F0C4-6772-8F98-5D81E124E335}"/>
+              </a:ext>
+            </a:extLst>
+          </p:cNvPr>
+          <p:cNvSpPr>
+            <a:spLocks noGrp="1"/>
+          </p:cNvSpPr>
+          <p:nvPr>
+            <p:ph type="title"/>
+          </p:nvPr>
+        </p:nvSpPr>
+        <p:spPr/>
+        <p:txBody>
+          <a:bodyPr/>
+          <a:lstStyle/>
+          <a:p>
+            <a:r>
+              <a:rPr lang="en-US" dirty="0"/>
+              <a:t> </a:t>
+            </a:r>
+            <a:endParaRPr lang="en-IN" dirty="0"/>
+          </a:p>
+        </p:txBody>
+      </p:sp>
+      <p:pic>
+        <p:nvPicPr>
+          <p:cNvPr id="5" name="Content Placeholder 4">
+            <a:extLst>
+              <a:ext uri="{FF2B5EF4-FFF2-40B4-BE49-F238E27FC236}">
+                <a16:creationId xmlns:a16="http://schemas.microsoft.com/office/drawing/2014/main" id="{D5CD9A3D-6AFF-1D17-CA76-CAE5CDE02922}"/>
+              </a:ext>
+            </a:extLst>
+          </p:cNvPr>
+          <p:cNvPicPr>
+            <a:picLocks noGrp="1" noChangeAspect="1"/>
+          </p:cNvPicPr>
+          <p:nvPr>
+            <p:ph idx="1"/>
+          </p:nvPr>
+        </p:nvPicPr>
+        <p:blipFill>
+          <a:blip r:embed="rId2"/>
+          <a:stretch>
+            <a:fillRect/>
+          </a:stretch>
+        </p:blipFill>
+        <p:spPr>
+          <a:xfrm>
+            <a:off x="0" y="0"/>
+            <a:ext cx="8319542" cy="4139414"/>
+          </a:xfrm>
+        </p:spPr>
+      </p:pic>
+      <p:pic>
+        <p:nvPicPr>
+          <p:cNvPr id="7" name="Picture 6">
+            <a:extLst>
+              <a:ext uri="{FF2B5EF4-FFF2-40B4-BE49-F238E27FC236}">
+                <a16:creationId xmlns:a16="http://schemas.microsoft.com/office/drawing/2014/main" id="{3CA35681-4A26-BACB-2313-B898D2FB2BAD}"/>
+              </a:ext>
+            </a:extLst>
+          </p:cNvPr>
+          <p:cNvPicPr>
+            <a:picLocks noChangeAspect="1"/>
+          </p:cNvPicPr>
+          <p:nvPr/>
+        </p:nvPicPr>
+        <p:blipFill>
+          <a:blip r:embed="rId3"/>
+          <a:stretch>
+            <a:fillRect/>
+          </a:stretch>
+        </p:blipFill>
+        <p:spPr>
+          <a:xfrm>
+            <a:off x="133506" y="4504539"/>
+            <a:ext cx="8635740" cy="2251461"/>
+          </a:xfrm>
+          <a:prstGeom prst="rect">
+            <a:avLst/>
+          </a:prstGeom>
+        </p:spPr>
+      </p:pic>
+    </p:spTree>
+    <p:extLst>
+      <p:ext uri="{BB962C8B-B14F-4D97-AF65-F5344CB8AC3E}">
+        <p14:creationId xmlns:p14="http://schemas.microsoft.com/office/powerpoint/2010/main" val="2478920359"/>
       </p:ext>
     </p:extLst>
   </p:cSld>
@@ -4678,6 +5364,1441 @@
 </p:sld>
 </file>
 
+<file path=ppt/slides/slide20.xml><?xml version="1.0" encoding="utf-8"?>
+<p:sld xmlns:a="http://schemas.openxmlformats.org/drawingml/2006/main" xmlns:r="http://schemas.openxmlformats.org/officeDocument/2006/relationships" xmlns:p="http://schemas.openxmlformats.org/presentationml/2006/main">
+  <p:cSld>
+    <p:spTree>
+      <p:nvGrpSpPr>
+        <p:cNvPr id="1" name=""/>
+        <p:cNvGrpSpPr/>
+        <p:nvPr/>
+      </p:nvGrpSpPr>
+      <p:grpSpPr>
+        <a:xfrm>
+          <a:off x="0" y="0"/>
+          <a:ext cx="0" cy="0"/>
+          <a:chOff x="0" y="0"/>
+          <a:chExt cx="0" cy="0"/>
+        </a:xfrm>
+      </p:grpSpPr>
+      <p:sp>
+        <p:nvSpPr>
+          <p:cNvPr id="2" name="Title 1">
+            <a:extLst>
+              <a:ext uri="{FF2B5EF4-FFF2-40B4-BE49-F238E27FC236}">
+                <a16:creationId xmlns:a16="http://schemas.microsoft.com/office/drawing/2014/main" id="{415165BB-F01A-D929-5DA7-AFCBC8139F10}"/>
+              </a:ext>
+            </a:extLst>
+          </p:cNvPr>
+          <p:cNvSpPr>
+            <a:spLocks noGrp="1"/>
+          </p:cNvSpPr>
+          <p:nvPr>
+            <p:ph type="title"/>
+          </p:nvPr>
+        </p:nvSpPr>
+        <p:spPr/>
+        <p:txBody>
+          <a:bodyPr/>
+          <a:lstStyle/>
+          <a:p>
+            <a:r>
+              <a:rPr lang="en-US" dirty="0"/>
+              <a:t> </a:t>
+            </a:r>
+            <a:endParaRPr lang="en-IN" dirty="0"/>
+          </a:p>
+        </p:txBody>
+      </p:sp>
+      <p:pic>
+        <p:nvPicPr>
+          <p:cNvPr id="5" name="Content Placeholder 4">
+            <a:extLst>
+              <a:ext uri="{FF2B5EF4-FFF2-40B4-BE49-F238E27FC236}">
+                <a16:creationId xmlns:a16="http://schemas.microsoft.com/office/drawing/2014/main" id="{12D952CA-AE63-836A-C586-944D3F4B47CB}"/>
+              </a:ext>
+            </a:extLst>
+          </p:cNvPr>
+          <p:cNvPicPr>
+            <a:picLocks noGrp="1" noChangeAspect="1"/>
+          </p:cNvPicPr>
+          <p:nvPr>
+            <p:ph idx="1"/>
+          </p:nvPr>
+        </p:nvPicPr>
+        <p:blipFill>
+          <a:blip r:embed="rId2"/>
+          <a:stretch>
+            <a:fillRect/>
+          </a:stretch>
+        </p:blipFill>
+        <p:spPr>
+          <a:xfrm>
+            <a:off x="0" y="247337"/>
+            <a:ext cx="6775554" cy="2337357"/>
+          </a:xfrm>
+        </p:spPr>
+      </p:pic>
+      <p:pic>
+        <p:nvPicPr>
+          <p:cNvPr id="7" name="Picture 6">
+            <a:extLst>
+              <a:ext uri="{FF2B5EF4-FFF2-40B4-BE49-F238E27FC236}">
+                <a16:creationId xmlns:a16="http://schemas.microsoft.com/office/drawing/2014/main" id="{4AFFAAE7-2DA2-63BE-9BB4-ED74A830784B}"/>
+              </a:ext>
+            </a:extLst>
+          </p:cNvPr>
+          <p:cNvPicPr>
+            <a:picLocks noChangeAspect="1"/>
+          </p:cNvPicPr>
+          <p:nvPr/>
+        </p:nvPicPr>
+        <p:blipFill>
+          <a:blip r:embed="rId3"/>
+          <a:stretch>
+            <a:fillRect/>
+          </a:stretch>
+        </p:blipFill>
+        <p:spPr>
+          <a:xfrm>
+            <a:off x="0" y="2584694"/>
+            <a:ext cx="7529860" cy="4273306"/>
+          </a:xfrm>
+          <a:prstGeom prst="rect">
+            <a:avLst/>
+          </a:prstGeom>
+        </p:spPr>
+      </p:pic>
+      <p:pic>
+        <p:nvPicPr>
+          <p:cNvPr id="9" name="Picture 8">
+            <a:extLst>
+              <a:ext uri="{FF2B5EF4-FFF2-40B4-BE49-F238E27FC236}">
+                <a16:creationId xmlns:a16="http://schemas.microsoft.com/office/drawing/2014/main" id="{7A49E064-0605-A176-7D27-EBEB74F07F45}"/>
+              </a:ext>
+            </a:extLst>
+          </p:cNvPr>
+          <p:cNvPicPr>
+            <a:picLocks noChangeAspect="1"/>
+          </p:cNvPicPr>
+          <p:nvPr/>
+        </p:nvPicPr>
+        <p:blipFill>
+          <a:blip r:embed="rId4"/>
+          <a:stretch>
+            <a:fillRect/>
+          </a:stretch>
+        </p:blipFill>
+        <p:spPr>
+          <a:xfrm>
+            <a:off x="7045377" y="4801165"/>
+            <a:ext cx="4953937" cy="1890322"/>
+          </a:xfrm>
+          <a:prstGeom prst="rect">
+            <a:avLst/>
+          </a:prstGeom>
+        </p:spPr>
+      </p:pic>
+    </p:spTree>
+    <p:extLst>
+      <p:ext uri="{BB962C8B-B14F-4D97-AF65-F5344CB8AC3E}">
+        <p14:creationId xmlns:p14="http://schemas.microsoft.com/office/powerpoint/2010/main" val="4158804836"/>
+      </p:ext>
+    </p:extLst>
+  </p:cSld>
+  <p:clrMapOvr>
+    <a:masterClrMapping/>
+  </p:clrMapOvr>
+</p:sld>
+</file>
+
+<file path=ppt/slides/slide21.xml><?xml version="1.0" encoding="utf-8"?>
+<p:sld xmlns:a="http://schemas.openxmlformats.org/drawingml/2006/main" xmlns:r="http://schemas.openxmlformats.org/officeDocument/2006/relationships" xmlns:p="http://schemas.openxmlformats.org/presentationml/2006/main">
+  <p:cSld>
+    <p:spTree>
+      <p:nvGrpSpPr>
+        <p:cNvPr id="1" name=""/>
+        <p:cNvGrpSpPr/>
+        <p:nvPr/>
+      </p:nvGrpSpPr>
+      <p:grpSpPr>
+        <a:xfrm>
+          <a:off x="0" y="0"/>
+          <a:ext cx="0" cy="0"/>
+          <a:chOff x="0" y="0"/>
+          <a:chExt cx="0" cy="0"/>
+        </a:xfrm>
+      </p:grpSpPr>
+      <p:sp>
+        <p:nvSpPr>
+          <p:cNvPr id="2" name="Title 1">
+            <a:extLst>
+              <a:ext uri="{FF2B5EF4-FFF2-40B4-BE49-F238E27FC236}">
+                <a16:creationId xmlns:a16="http://schemas.microsoft.com/office/drawing/2014/main" id="{C05A44AE-BE1C-E607-E6ED-B2E4A333D204}"/>
+              </a:ext>
+            </a:extLst>
+          </p:cNvPr>
+          <p:cNvSpPr>
+            <a:spLocks noGrp="1"/>
+          </p:cNvSpPr>
+          <p:nvPr>
+            <p:ph type="title"/>
+          </p:nvPr>
+        </p:nvSpPr>
+        <p:spPr/>
+        <p:txBody>
+          <a:bodyPr/>
+          <a:lstStyle/>
+          <a:p>
+            <a:r>
+              <a:rPr lang="en-US" dirty="0"/>
+              <a:t> </a:t>
+            </a:r>
+            <a:endParaRPr lang="en-IN" dirty="0"/>
+          </a:p>
+        </p:txBody>
+      </p:sp>
+      <p:sp>
+        <p:nvSpPr>
+          <p:cNvPr id="3" name="Content Placeholder 2">
+            <a:extLst>
+              <a:ext uri="{FF2B5EF4-FFF2-40B4-BE49-F238E27FC236}">
+                <a16:creationId xmlns:a16="http://schemas.microsoft.com/office/drawing/2014/main" id="{BB91DE66-2772-F08F-55C4-FF7559C3628D}"/>
+              </a:ext>
+            </a:extLst>
+          </p:cNvPr>
+          <p:cNvSpPr>
+            <a:spLocks noGrp="1"/>
+          </p:cNvSpPr>
+          <p:nvPr>
+            <p:ph idx="1"/>
+          </p:nvPr>
+        </p:nvSpPr>
+        <p:spPr/>
+        <p:txBody>
+          <a:bodyPr/>
+          <a:lstStyle/>
+          <a:p>
+            <a:pPr marL="0" indent="0">
+              <a:buNone/>
+            </a:pPr>
+            <a:r>
+              <a:rPr lang="en-US" dirty="0"/>
+              <a:t> </a:t>
+            </a:r>
+            <a:endParaRPr lang="en-IN" dirty="0"/>
+          </a:p>
+        </p:txBody>
+      </p:sp>
+      <p:pic>
+        <p:nvPicPr>
+          <p:cNvPr id="5" name="Picture 4">
+            <a:extLst>
+              <a:ext uri="{FF2B5EF4-FFF2-40B4-BE49-F238E27FC236}">
+                <a16:creationId xmlns:a16="http://schemas.microsoft.com/office/drawing/2014/main" id="{5E5A50FD-CFB3-E7F2-2304-5125267D477E}"/>
+              </a:ext>
+            </a:extLst>
+          </p:cNvPr>
+          <p:cNvPicPr>
+            <a:picLocks noChangeAspect="1"/>
+          </p:cNvPicPr>
+          <p:nvPr/>
+        </p:nvPicPr>
+        <p:blipFill>
+          <a:blip r:embed="rId2"/>
+          <a:stretch>
+            <a:fillRect/>
+          </a:stretch>
+        </p:blipFill>
+        <p:spPr>
+          <a:xfrm>
+            <a:off x="0" y="0"/>
+            <a:ext cx="3267856" cy="2007397"/>
+          </a:xfrm>
+          <a:prstGeom prst="rect">
+            <a:avLst/>
+          </a:prstGeom>
+        </p:spPr>
+      </p:pic>
+      <p:pic>
+        <p:nvPicPr>
+          <p:cNvPr id="7" name="Picture 6">
+            <a:extLst>
+              <a:ext uri="{FF2B5EF4-FFF2-40B4-BE49-F238E27FC236}">
+                <a16:creationId xmlns:a16="http://schemas.microsoft.com/office/drawing/2014/main" id="{0342FFA5-78CE-3735-C21D-3380CED7803B}"/>
+              </a:ext>
+            </a:extLst>
+          </p:cNvPr>
+          <p:cNvPicPr>
+            <a:picLocks noChangeAspect="1"/>
+          </p:cNvPicPr>
+          <p:nvPr/>
+        </p:nvPicPr>
+        <p:blipFill>
+          <a:blip r:embed="rId3"/>
+          <a:stretch>
+            <a:fillRect/>
+          </a:stretch>
+        </p:blipFill>
+        <p:spPr>
+          <a:xfrm>
+            <a:off x="0" y="2142334"/>
+            <a:ext cx="7060367" cy="4715666"/>
+          </a:xfrm>
+          <a:prstGeom prst="rect">
+            <a:avLst/>
+          </a:prstGeom>
+        </p:spPr>
+      </p:pic>
+    </p:spTree>
+    <p:extLst>
+      <p:ext uri="{BB962C8B-B14F-4D97-AF65-F5344CB8AC3E}">
+        <p14:creationId xmlns:p14="http://schemas.microsoft.com/office/powerpoint/2010/main" val="2051728174"/>
+      </p:ext>
+    </p:extLst>
+  </p:cSld>
+  <p:clrMapOvr>
+    <a:masterClrMapping/>
+  </p:clrMapOvr>
+</p:sld>
+</file>
+
+<file path=ppt/slides/slide22.xml><?xml version="1.0" encoding="utf-8"?>
+<p:sld xmlns:a="http://schemas.openxmlformats.org/drawingml/2006/main" xmlns:r="http://schemas.openxmlformats.org/officeDocument/2006/relationships" xmlns:p="http://schemas.openxmlformats.org/presentationml/2006/main">
+  <p:cSld>
+    <p:spTree>
+      <p:nvGrpSpPr>
+        <p:cNvPr id="1" name=""/>
+        <p:cNvGrpSpPr/>
+        <p:nvPr/>
+      </p:nvGrpSpPr>
+      <p:grpSpPr>
+        <a:xfrm>
+          <a:off x="0" y="0"/>
+          <a:ext cx="0" cy="0"/>
+          <a:chOff x="0" y="0"/>
+          <a:chExt cx="0" cy="0"/>
+        </a:xfrm>
+      </p:grpSpPr>
+      <p:sp>
+        <p:nvSpPr>
+          <p:cNvPr id="2" name="Title 1">
+            <a:extLst>
+              <a:ext uri="{FF2B5EF4-FFF2-40B4-BE49-F238E27FC236}">
+                <a16:creationId xmlns:a16="http://schemas.microsoft.com/office/drawing/2014/main" id="{8AB62DB5-E13C-27FA-F138-9DA242444F40}"/>
+              </a:ext>
+            </a:extLst>
+          </p:cNvPr>
+          <p:cNvSpPr>
+            <a:spLocks noGrp="1"/>
+          </p:cNvSpPr>
+          <p:nvPr>
+            <p:ph type="title"/>
+          </p:nvPr>
+        </p:nvSpPr>
+        <p:spPr/>
+        <p:txBody>
+          <a:bodyPr/>
+          <a:lstStyle/>
+          <a:p>
+            <a:r>
+              <a:rPr lang="en-US" dirty="0"/>
+              <a:t> </a:t>
+            </a:r>
+            <a:endParaRPr lang="en-IN" dirty="0"/>
+          </a:p>
+        </p:txBody>
+      </p:sp>
+      <p:pic>
+        <p:nvPicPr>
+          <p:cNvPr id="5" name="Content Placeholder 4">
+            <a:extLst>
+              <a:ext uri="{FF2B5EF4-FFF2-40B4-BE49-F238E27FC236}">
+                <a16:creationId xmlns:a16="http://schemas.microsoft.com/office/drawing/2014/main" id="{DB503149-C8CE-81EB-17F7-BA5A07A1103E}"/>
+              </a:ext>
+            </a:extLst>
+          </p:cNvPr>
+          <p:cNvPicPr>
+            <a:picLocks noGrp="1" noChangeAspect="1"/>
+          </p:cNvPicPr>
+          <p:nvPr>
+            <p:ph idx="1"/>
+          </p:nvPr>
+        </p:nvPicPr>
+        <p:blipFill>
+          <a:blip r:embed="rId2"/>
+          <a:stretch>
+            <a:fillRect/>
+          </a:stretch>
+        </p:blipFill>
+        <p:spPr>
+          <a:xfrm>
+            <a:off x="1" y="0"/>
+            <a:ext cx="7570032" cy="4780886"/>
+          </a:xfrm>
+        </p:spPr>
+      </p:pic>
+      <p:pic>
+        <p:nvPicPr>
+          <p:cNvPr id="7" name="Picture 6">
+            <a:extLst>
+              <a:ext uri="{FF2B5EF4-FFF2-40B4-BE49-F238E27FC236}">
+                <a16:creationId xmlns:a16="http://schemas.microsoft.com/office/drawing/2014/main" id="{4BCDB049-DFC0-52B0-A16E-74DAD7EAD2D1}"/>
+              </a:ext>
+            </a:extLst>
+          </p:cNvPr>
+          <p:cNvPicPr>
+            <a:picLocks noChangeAspect="1"/>
+          </p:cNvPicPr>
+          <p:nvPr/>
+        </p:nvPicPr>
+        <p:blipFill>
+          <a:blip r:embed="rId3"/>
+          <a:stretch>
+            <a:fillRect/>
+          </a:stretch>
+        </p:blipFill>
+        <p:spPr>
+          <a:xfrm>
+            <a:off x="7210270" y="2518347"/>
+            <a:ext cx="2803160" cy="1191681"/>
+          </a:xfrm>
+          <a:prstGeom prst="rect">
+            <a:avLst/>
+          </a:prstGeom>
+          <a:ln w="38100" cap="sq">
+            <a:solidFill>
+              <a:srgbClr val="000000"/>
+            </a:solidFill>
+            <a:prstDash val="solid"/>
+            <a:miter lim="800000"/>
+          </a:ln>
+          <a:effectLst>
+            <a:outerShdw blurRad="50800" dist="38100" dir="2700000" algn="tl" rotWithShape="0">
+              <a:srgbClr val="000000">
+                <a:alpha val="43000"/>
+              </a:srgbClr>
+            </a:outerShdw>
+          </a:effectLst>
+        </p:spPr>
+      </p:pic>
+      <p:pic>
+        <p:nvPicPr>
+          <p:cNvPr id="9" name="Picture 8">
+            <a:extLst>
+              <a:ext uri="{FF2B5EF4-FFF2-40B4-BE49-F238E27FC236}">
+                <a16:creationId xmlns:a16="http://schemas.microsoft.com/office/drawing/2014/main" id="{532619C7-4FB1-3C97-7D30-181138C996FF}"/>
+              </a:ext>
+            </a:extLst>
+          </p:cNvPr>
+          <p:cNvPicPr>
+            <a:picLocks noChangeAspect="1"/>
+          </p:cNvPicPr>
+          <p:nvPr/>
+        </p:nvPicPr>
+        <p:blipFill>
+          <a:blip r:embed="rId4"/>
+          <a:stretch>
+            <a:fillRect/>
+          </a:stretch>
+        </p:blipFill>
+        <p:spPr>
+          <a:xfrm>
+            <a:off x="0" y="4780886"/>
+            <a:ext cx="11353800" cy="1949698"/>
+          </a:xfrm>
+          <a:prstGeom prst="rect">
+            <a:avLst/>
+          </a:prstGeom>
+        </p:spPr>
+      </p:pic>
+    </p:spTree>
+    <p:extLst>
+      <p:ext uri="{BB962C8B-B14F-4D97-AF65-F5344CB8AC3E}">
+        <p14:creationId xmlns:p14="http://schemas.microsoft.com/office/powerpoint/2010/main" val="4219155950"/>
+      </p:ext>
+    </p:extLst>
+  </p:cSld>
+  <p:clrMapOvr>
+    <a:masterClrMapping/>
+  </p:clrMapOvr>
+</p:sld>
+</file>
+
+<file path=ppt/slides/slide23.xml><?xml version="1.0" encoding="utf-8"?>
+<p:sld xmlns:a="http://schemas.openxmlformats.org/drawingml/2006/main" xmlns:r="http://schemas.openxmlformats.org/officeDocument/2006/relationships" xmlns:p="http://schemas.openxmlformats.org/presentationml/2006/main">
+  <p:cSld>
+    <p:spTree>
+      <p:nvGrpSpPr>
+        <p:cNvPr id="1" name=""/>
+        <p:cNvGrpSpPr/>
+        <p:nvPr/>
+      </p:nvGrpSpPr>
+      <p:grpSpPr>
+        <a:xfrm>
+          <a:off x="0" y="0"/>
+          <a:ext cx="0" cy="0"/>
+          <a:chOff x="0" y="0"/>
+          <a:chExt cx="0" cy="0"/>
+        </a:xfrm>
+      </p:grpSpPr>
+      <p:sp>
+        <p:nvSpPr>
+          <p:cNvPr id="2" name="Title 1">
+            <a:extLst>
+              <a:ext uri="{FF2B5EF4-FFF2-40B4-BE49-F238E27FC236}">
+                <a16:creationId xmlns:a16="http://schemas.microsoft.com/office/drawing/2014/main" id="{731D9EB0-08DB-950B-5335-13D2B228C215}"/>
+              </a:ext>
+            </a:extLst>
+          </p:cNvPr>
+          <p:cNvSpPr>
+            <a:spLocks noGrp="1"/>
+          </p:cNvSpPr>
+          <p:nvPr>
+            <p:ph type="title"/>
+          </p:nvPr>
+        </p:nvSpPr>
+        <p:spPr/>
+        <p:txBody>
+          <a:bodyPr/>
+          <a:lstStyle/>
+          <a:p>
+            <a:r>
+              <a:rPr lang="en-US" dirty="0"/>
+              <a:t> </a:t>
+            </a:r>
+            <a:endParaRPr lang="en-IN" dirty="0"/>
+          </a:p>
+        </p:txBody>
+      </p:sp>
+      <p:sp>
+        <p:nvSpPr>
+          <p:cNvPr id="3" name="Content Placeholder 2">
+            <a:extLst>
+              <a:ext uri="{FF2B5EF4-FFF2-40B4-BE49-F238E27FC236}">
+                <a16:creationId xmlns:a16="http://schemas.microsoft.com/office/drawing/2014/main" id="{BE489493-E4A4-04B7-D496-EEEEE8C61A48}"/>
+              </a:ext>
+            </a:extLst>
+          </p:cNvPr>
+          <p:cNvSpPr>
+            <a:spLocks noGrp="1"/>
+          </p:cNvSpPr>
+          <p:nvPr>
+            <p:ph idx="1"/>
+          </p:nvPr>
+        </p:nvSpPr>
+        <p:spPr/>
+        <p:txBody>
+          <a:bodyPr/>
+          <a:lstStyle/>
+          <a:p>
+            <a:pPr marL="0" indent="0">
+              <a:buNone/>
+            </a:pPr>
+            <a:r>
+              <a:rPr lang="en-US" dirty="0"/>
+              <a:t> </a:t>
+            </a:r>
+            <a:endParaRPr lang="en-IN" dirty="0"/>
+          </a:p>
+        </p:txBody>
+      </p:sp>
+      <p:sp>
+        <p:nvSpPr>
+          <p:cNvPr id="7" name="TextBox 6">
+            <a:extLst>
+              <a:ext uri="{FF2B5EF4-FFF2-40B4-BE49-F238E27FC236}">
+                <a16:creationId xmlns:a16="http://schemas.microsoft.com/office/drawing/2014/main" id="{7055E1C8-1C3B-1711-14E0-A6C333E69B30}"/>
+              </a:ext>
+            </a:extLst>
+          </p:cNvPr>
+          <p:cNvSpPr txBox="1"/>
+          <p:nvPr/>
+        </p:nvSpPr>
+        <p:spPr>
+          <a:xfrm>
+            <a:off x="-37982" y="36047"/>
+            <a:ext cx="6093500" cy="523220"/>
+          </a:xfrm>
+          <a:prstGeom prst="rect">
+            <a:avLst/>
+          </a:prstGeom>
+          <a:noFill/>
+        </p:spPr>
+        <p:txBody>
+          <a:bodyPr wrap="square">
+            <a:spAutoFit/>
+          </a:bodyPr>
+          <a:lstStyle/>
+          <a:p>
+            <a:r>
+              <a:rPr lang="en-IN" sz="2800" b="1" dirty="0">
+                <a:latin typeface="Times New Roman" panose="02020603050405020304" pitchFamily="18" charset="0"/>
+                <a:cs typeface="Times New Roman" panose="02020603050405020304" pitchFamily="18" charset="0"/>
+              </a:rPr>
+              <a:t>Another Example 3:-</a:t>
+            </a:r>
+            <a:endParaRPr lang="en-IN" sz="2800" b="1" dirty="0"/>
+          </a:p>
+        </p:txBody>
+      </p:sp>
+      <p:pic>
+        <p:nvPicPr>
+          <p:cNvPr id="6" name="Picture 5">
+            <a:extLst>
+              <a:ext uri="{FF2B5EF4-FFF2-40B4-BE49-F238E27FC236}">
+                <a16:creationId xmlns:a16="http://schemas.microsoft.com/office/drawing/2014/main" id="{52D77FEE-5401-5254-DC6F-4AE7CF0E376A}"/>
+              </a:ext>
+            </a:extLst>
+          </p:cNvPr>
+          <p:cNvPicPr>
+            <a:picLocks noChangeAspect="1"/>
+          </p:cNvPicPr>
+          <p:nvPr/>
+        </p:nvPicPr>
+        <p:blipFill>
+          <a:blip r:embed="rId2"/>
+          <a:stretch>
+            <a:fillRect/>
+          </a:stretch>
+        </p:blipFill>
+        <p:spPr>
+          <a:xfrm>
+            <a:off x="0" y="676629"/>
+            <a:ext cx="9839013" cy="1031634"/>
+          </a:xfrm>
+          <a:prstGeom prst="rect">
+            <a:avLst/>
+          </a:prstGeom>
+        </p:spPr>
+      </p:pic>
+      <p:pic>
+        <p:nvPicPr>
+          <p:cNvPr id="11" name="Picture 10">
+            <a:extLst>
+              <a:ext uri="{FF2B5EF4-FFF2-40B4-BE49-F238E27FC236}">
+                <a16:creationId xmlns:a16="http://schemas.microsoft.com/office/drawing/2014/main" id="{5A6E65D8-5033-0761-5324-6253A97EA793}"/>
+              </a:ext>
+            </a:extLst>
+          </p:cNvPr>
+          <p:cNvPicPr>
+            <a:picLocks noChangeAspect="1"/>
+          </p:cNvPicPr>
+          <p:nvPr/>
+        </p:nvPicPr>
+        <p:blipFill>
+          <a:blip r:embed="rId3"/>
+          <a:stretch>
+            <a:fillRect/>
+          </a:stretch>
+        </p:blipFill>
+        <p:spPr>
+          <a:xfrm>
+            <a:off x="-1" y="1808049"/>
+            <a:ext cx="10515599" cy="5013903"/>
+          </a:xfrm>
+          <a:prstGeom prst="rect">
+            <a:avLst/>
+          </a:prstGeom>
+        </p:spPr>
+      </p:pic>
+    </p:spTree>
+    <p:extLst>
+      <p:ext uri="{BB962C8B-B14F-4D97-AF65-F5344CB8AC3E}">
+        <p14:creationId xmlns:p14="http://schemas.microsoft.com/office/powerpoint/2010/main" val="2495139905"/>
+      </p:ext>
+    </p:extLst>
+  </p:cSld>
+  <p:clrMapOvr>
+    <a:masterClrMapping/>
+  </p:clrMapOvr>
+</p:sld>
+</file>
+
+<file path=ppt/slides/slide24.xml><?xml version="1.0" encoding="utf-8"?>
+<p:sld xmlns:a="http://schemas.openxmlformats.org/drawingml/2006/main" xmlns:r="http://schemas.openxmlformats.org/officeDocument/2006/relationships" xmlns:p="http://schemas.openxmlformats.org/presentationml/2006/main">
+  <p:cSld>
+    <p:spTree>
+      <p:nvGrpSpPr>
+        <p:cNvPr id="1" name=""/>
+        <p:cNvGrpSpPr/>
+        <p:nvPr/>
+      </p:nvGrpSpPr>
+      <p:grpSpPr>
+        <a:xfrm>
+          <a:off x="0" y="0"/>
+          <a:ext cx="0" cy="0"/>
+          <a:chOff x="0" y="0"/>
+          <a:chExt cx="0" cy="0"/>
+        </a:xfrm>
+      </p:grpSpPr>
+      <p:sp>
+        <p:nvSpPr>
+          <p:cNvPr id="2" name="Title 1">
+            <a:extLst>
+              <a:ext uri="{FF2B5EF4-FFF2-40B4-BE49-F238E27FC236}">
+                <a16:creationId xmlns:a16="http://schemas.microsoft.com/office/drawing/2014/main" id="{45EFFE04-F119-C6FD-5FAB-A7780D49D2AF}"/>
+              </a:ext>
+            </a:extLst>
+          </p:cNvPr>
+          <p:cNvSpPr>
+            <a:spLocks noGrp="1"/>
+          </p:cNvSpPr>
+          <p:nvPr>
+            <p:ph type="title"/>
+          </p:nvPr>
+        </p:nvSpPr>
+        <p:spPr/>
+        <p:txBody>
+          <a:bodyPr/>
+          <a:lstStyle/>
+          <a:p>
+            <a:r>
+              <a:rPr lang="en-US" dirty="0"/>
+              <a:t> </a:t>
+            </a:r>
+            <a:endParaRPr lang="en-IN" dirty="0"/>
+          </a:p>
+        </p:txBody>
+      </p:sp>
+      <p:pic>
+        <p:nvPicPr>
+          <p:cNvPr id="5" name="Content Placeholder 4">
+            <a:extLst>
+              <a:ext uri="{FF2B5EF4-FFF2-40B4-BE49-F238E27FC236}">
+                <a16:creationId xmlns:a16="http://schemas.microsoft.com/office/drawing/2014/main" id="{AB82ADBB-37BC-0837-E376-4EB5437E0C3F}"/>
+              </a:ext>
+            </a:extLst>
+          </p:cNvPr>
+          <p:cNvPicPr>
+            <a:picLocks noGrp="1" noChangeAspect="1"/>
+          </p:cNvPicPr>
+          <p:nvPr>
+            <p:ph idx="1"/>
+          </p:nvPr>
+        </p:nvPicPr>
+        <p:blipFill>
+          <a:blip r:embed="rId2"/>
+          <a:stretch>
+            <a:fillRect/>
+          </a:stretch>
+        </p:blipFill>
+        <p:spPr>
+          <a:xfrm>
+            <a:off x="0" y="-1"/>
+            <a:ext cx="9338872" cy="4520851"/>
+          </a:xfrm>
+        </p:spPr>
+      </p:pic>
+      <p:pic>
+        <p:nvPicPr>
+          <p:cNvPr id="7" name="Picture 6">
+            <a:extLst>
+              <a:ext uri="{FF2B5EF4-FFF2-40B4-BE49-F238E27FC236}">
+                <a16:creationId xmlns:a16="http://schemas.microsoft.com/office/drawing/2014/main" id="{9F7C6014-E4DD-A090-8187-62BFC4365671}"/>
+              </a:ext>
+            </a:extLst>
+          </p:cNvPr>
+          <p:cNvPicPr>
+            <a:picLocks noChangeAspect="1"/>
+          </p:cNvPicPr>
+          <p:nvPr/>
+        </p:nvPicPr>
+        <p:blipFill>
+          <a:blip r:embed="rId3"/>
+          <a:stretch>
+            <a:fillRect/>
+          </a:stretch>
+        </p:blipFill>
+        <p:spPr>
+          <a:xfrm>
+            <a:off x="0" y="4520850"/>
+            <a:ext cx="7135318" cy="2348522"/>
+          </a:xfrm>
+          <a:prstGeom prst="rect">
+            <a:avLst/>
+          </a:prstGeom>
+        </p:spPr>
+      </p:pic>
+    </p:spTree>
+    <p:extLst>
+      <p:ext uri="{BB962C8B-B14F-4D97-AF65-F5344CB8AC3E}">
+        <p14:creationId xmlns:p14="http://schemas.microsoft.com/office/powerpoint/2010/main" val="1247612642"/>
+      </p:ext>
+    </p:extLst>
+  </p:cSld>
+  <p:clrMapOvr>
+    <a:masterClrMapping/>
+  </p:clrMapOvr>
+</p:sld>
+</file>
+
+<file path=ppt/slides/slide25.xml><?xml version="1.0" encoding="utf-8"?>
+<p:sld xmlns:a="http://schemas.openxmlformats.org/drawingml/2006/main" xmlns:r="http://schemas.openxmlformats.org/officeDocument/2006/relationships" xmlns:p="http://schemas.openxmlformats.org/presentationml/2006/main">
+  <p:cSld>
+    <p:spTree>
+      <p:nvGrpSpPr>
+        <p:cNvPr id="1" name=""/>
+        <p:cNvGrpSpPr/>
+        <p:nvPr/>
+      </p:nvGrpSpPr>
+      <p:grpSpPr>
+        <a:xfrm>
+          <a:off x="0" y="0"/>
+          <a:ext cx="0" cy="0"/>
+          <a:chOff x="0" y="0"/>
+          <a:chExt cx="0" cy="0"/>
+        </a:xfrm>
+      </p:grpSpPr>
+      <p:sp>
+        <p:nvSpPr>
+          <p:cNvPr id="2" name="Title 1">
+            <a:extLst>
+              <a:ext uri="{FF2B5EF4-FFF2-40B4-BE49-F238E27FC236}">
+                <a16:creationId xmlns:a16="http://schemas.microsoft.com/office/drawing/2014/main" id="{A035B978-40B6-B556-D0BF-87309C8AAEA7}"/>
+              </a:ext>
+            </a:extLst>
+          </p:cNvPr>
+          <p:cNvSpPr>
+            <a:spLocks noGrp="1"/>
+          </p:cNvSpPr>
+          <p:nvPr>
+            <p:ph type="title"/>
+          </p:nvPr>
+        </p:nvSpPr>
+        <p:spPr/>
+        <p:txBody>
+          <a:bodyPr/>
+          <a:lstStyle/>
+          <a:p>
+            <a:r>
+              <a:rPr lang="en-US" dirty="0"/>
+              <a:t> </a:t>
+            </a:r>
+            <a:endParaRPr lang="en-IN" dirty="0"/>
+          </a:p>
+        </p:txBody>
+      </p:sp>
+      <p:pic>
+        <p:nvPicPr>
+          <p:cNvPr id="5" name="Content Placeholder 4">
+            <a:extLst>
+              <a:ext uri="{FF2B5EF4-FFF2-40B4-BE49-F238E27FC236}">
+                <a16:creationId xmlns:a16="http://schemas.microsoft.com/office/drawing/2014/main" id="{521CEECF-8EA2-25C5-ECC4-7B23D373D589}"/>
+              </a:ext>
+            </a:extLst>
+          </p:cNvPr>
+          <p:cNvPicPr>
+            <a:picLocks noGrp="1" noChangeAspect="1"/>
+          </p:cNvPicPr>
+          <p:nvPr>
+            <p:ph idx="1"/>
+          </p:nvPr>
+        </p:nvPicPr>
+        <p:blipFill>
+          <a:blip r:embed="rId2"/>
+          <a:stretch>
+            <a:fillRect/>
+          </a:stretch>
+        </p:blipFill>
+        <p:spPr>
+          <a:xfrm>
+            <a:off x="0" y="365125"/>
+            <a:ext cx="9631942" cy="6127750"/>
+          </a:xfrm>
+        </p:spPr>
+      </p:pic>
+    </p:spTree>
+    <p:extLst>
+      <p:ext uri="{BB962C8B-B14F-4D97-AF65-F5344CB8AC3E}">
+        <p14:creationId xmlns:p14="http://schemas.microsoft.com/office/powerpoint/2010/main" val="3672526652"/>
+      </p:ext>
+    </p:extLst>
+  </p:cSld>
+  <p:clrMapOvr>
+    <a:masterClrMapping/>
+  </p:clrMapOvr>
+</p:sld>
+</file>
+
+<file path=ppt/slides/slide26.xml><?xml version="1.0" encoding="utf-8"?>
+<p:sld xmlns:a="http://schemas.openxmlformats.org/drawingml/2006/main" xmlns:r="http://schemas.openxmlformats.org/officeDocument/2006/relationships" xmlns:p="http://schemas.openxmlformats.org/presentationml/2006/main">
+  <p:cSld>
+    <p:spTree>
+      <p:nvGrpSpPr>
+        <p:cNvPr id="1" name=""/>
+        <p:cNvGrpSpPr/>
+        <p:nvPr/>
+      </p:nvGrpSpPr>
+      <p:grpSpPr>
+        <a:xfrm>
+          <a:off x="0" y="0"/>
+          <a:ext cx="0" cy="0"/>
+          <a:chOff x="0" y="0"/>
+          <a:chExt cx="0" cy="0"/>
+        </a:xfrm>
+      </p:grpSpPr>
+      <p:sp>
+        <p:nvSpPr>
+          <p:cNvPr id="2" name="Title 1">
+            <a:extLst>
+              <a:ext uri="{FF2B5EF4-FFF2-40B4-BE49-F238E27FC236}">
+                <a16:creationId xmlns:a16="http://schemas.microsoft.com/office/drawing/2014/main" id="{A405F206-082E-014E-CAFC-E4AE566BF16A}"/>
+              </a:ext>
+            </a:extLst>
+          </p:cNvPr>
+          <p:cNvSpPr>
+            <a:spLocks noGrp="1"/>
+          </p:cNvSpPr>
+          <p:nvPr>
+            <p:ph type="title"/>
+          </p:nvPr>
+        </p:nvSpPr>
+        <p:spPr/>
+        <p:txBody>
+          <a:bodyPr/>
+          <a:lstStyle/>
+          <a:p>
+            <a:r>
+              <a:rPr lang="en-US" dirty="0"/>
+              <a:t> </a:t>
+            </a:r>
+            <a:endParaRPr lang="en-IN" dirty="0"/>
+          </a:p>
+        </p:txBody>
+      </p:sp>
+      <p:pic>
+        <p:nvPicPr>
+          <p:cNvPr id="5" name="Content Placeholder 4">
+            <a:extLst>
+              <a:ext uri="{FF2B5EF4-FFF2-40B4-BE49-F238E27FC236}">
+                <a16:creationId xmlns:a16="http://schemas.microsoft.com/office/drawing/2014/main" id="{63A4AA77-29B6-1467-96A3-51BE59075236}"/>
+              </a:ext>
+            </a:extLst>
+          </p:cNvPr>
+          <p:cNvPicPr>
+            <a:picLocks noGrp="1" noChangeAspect="1"/>
+          </p:cNvPicPr>
+          <p:nvPr>
+            <p:ph idx="1"/>
+          </p:nvPr>
+        </p:nvPicPr>
+        <p:blipFill>
+          <a:blip r:embed="rId2"/>
+          <a:stretch>
+            <a:fillRect/>
+          </a:stretch>
+        </p:blipFill>
+        <p:spPr>
+          <a:xfrm>
+            <a:off x="0" y="-1"/>
+            <a:ext cx="8274570" cy="4006923"/>
+          </a:xfrm>
+        </p:spPr>
+      </p:pic>
+      <p:pic>
+        <p:nvPicPr>
+          <p:cNvPr id="7" name="Picture 6">
+            <a:extLst>
+              <a:ext uri="{FF2B5EF4-FFF2-40B4-BE49-F238E27FC236}">
+                <a16:creationId xmlns:a16="http://schemas.microsoft.com/office/drawing/2014/main" id="{87C144CC-ACA8-15A5-838B-57D5F4567117}"/>
+              </a:ext>
+            </a:extLst>
+          </p:cNvPr>
+          <p:cNvPicPr>
+            <a:picLocks noChangeAspect="1"/>
+          </p:cNvPicPr>
+          <p:nvPr/>
+        </p:nvPicPr>
+        <p:blipFill>
+          <a:blip r:embed="rId3"/>
+          <a:stretch>
+            <a:fillRect/>
+          </a:stretch>
+        </p:blipFill>
+        <p:spPr>
+          <a:xfrm>
+            <a:off x="119921" y="3953598"/>
+            <a:ext cx="8424472" cy="1733265"/>
+          </a:xfrm>
+          <a:prstGeom prst="rect">
+            <a:avLst/>
+          </a:prstGeom>
+        </p:spPr>
+      </p:pic>
+      <p:pic>
+        <p:nvPicPr>
+          <p:cNvPr id="9" name="Picture 8">
+            <a:extLst>
+              <a:ext uri="{FF2B5EF4-FFF2-40B4-BE49-F238E27FC236}">
+                <a16:creationId xmlns:a16="http://schemas.microsoft.com/office/drawing/2014/main" id="{38834FCA-1FBA-DE69-3075-7C003FF2A372}"/>
+              </a:ext>
+            </a:extLst>
+          </p:cNvPr>
+          <p:cNvPicPr>
+            <a:picLocks noChangeAspect="1"/>
+          </p:cNvPicPr>
+          <p:nvPr/>
+        </p:nvPicPr>
+        <p:blipFill>
+          <a:blip r:embed="rId4"/>
+          <a:stretch>
+            <a:fillRect/>
+          </a:stretch>
+        </p:blipFill>
+        <p:spPr>
+          <a:xfrm>
+            <a:off x="119921" y="5686863"/>
+            <a:ext cx="9548734" cy="1113305"/>
+          </a:xfrm>
+          <a:prstGeom prst="rect">
+            <a:avLst/>
+          </a:prstGeom>
+        </p:spPr>
+      </p:pic>
+    </p:spTree>
+    <p:extLst>
+      <p:ext uri="{BB962C8B-B14F-4D97-AF65-F5344CB8AC3E}">
+        <p14:creationId xmlns:p14="http://schemas.microsoft.com/office/powerpoint/2010/main" val="1947687424"/>
+      </p:ext>
+    </p:extLst>
+  </p:cSld>
+  <p:clrMapOvr>
+    <a:masterClrMapping/>
+  </p:clrMapOvr>
+</p:sld>
+</file>
+
+<file path=ppt/slides/slide27.xml><?xml version="1.0" encoding="utf-8"?>
+<p:sld xmlns:a="http://schemas.openxmlformats.org/drawingml/2006/main" xmlns:r="http://schemas.openxmlformats.org/officeDocument/2006/relationships" xmlns:p="http://schemas.openxmlformats.org/presentationml/2006/main">
+  <p:cSld>
+    <p:spTree>
+      <p:nvGrpSpPr>
+        <p:cNvPr id="1" name=""/>
+        <p:cNvGrpSpPr/>
+        <p:nvPr/>
+      </p:nvGrpSpPr>
+      <p:grpSpPr>
+        <a:xfrm>
+          <a:off x="0" y="0"/>
+          <a:ext cx="0" cy="0"/>
+          <a:chOff x="0" y="0"/>
+          <a:chExt cx="0" cy="0"/>
+        </a:xfrm>
+      </p:grpSpPr>
+      <p:sp>
+        <p:nvSpPr>
+          <p:cNvPr id="2" name="Title 1">
+            <a:extLst>
+              <a:ext uri="{FF2B5EF4-FFF2-40B4-BE49-F238E27FC236}">
+                <a16:creationId xmlns:a16="http://schemas.microsoft.com/office/drawing/2014/main" id="{17EC0266-71E9-5481-D22B-7A92060D402B}"/>
+              </a:ext>
+            </a:extLst>
+          </p:cNvPr>
+          <p:cNvSpPr>
+            <a:spLocks noGrp="1"/>
+          </p:cNvSpPr>
+          <p:nvPr>
+            <p:ph type="title"/>
+          </p:nvPr>
+        </p:nvSpPr>
+        <p:spPr/>
+        <p:txBody>
+          <a:bodyPr/>
+          <a:lstStyle/>
+          <a:p>
+            <a:r>
+              <a:rPr lang="en-US" dirty="0"/>
+              <a:t> </a:t>
+            </a:r>
+            <a:endParaRPr lang="en-IN" dirty="0"/>
+          </a:p>
+        </p:txBody>
+      </p:sp>
+      <p:sp>
+        <p:nvSpPr>
+          <p:cNvPr id="3" name="Content Placeholder 2">
+            <a:extLst>
+              <a:ext uri="{FF2B5EF4-FFF2-40B4-BE49-F238E27FC236}">
+                <a16:creationId xmlns:a16="http://schemas.microsoft.com/office/drawing/2014/main" id="{2F0205D2-929E-FB02-6A62-C53D86B94B2A}"/>
+              </a:ext>
+            </a:extLst>
+          </p:cNvPr>
+          <p:cNvSpPr>
+            <a:spLocks noGrp="1"/>
+          </p:cNvSpPr>
+          <p:nvPr>
+            <p:ph idx="1"/>
+          </p:nvPr>
+        </p:nvSpPr>
+        <p:spPr/>
+        <p:txBody>
+          <a:bodyPr/>
+          <a:lstStyle/>
+          <a:p>
+            <a:pPr marL="0" indent="0">
+              <a:buNone/>
+            </a:pPr>
+            <a:r>
+              <a:rPr lang="en-US" dirty="0"/>
+              <a:t> </a:t>
+            </a:r>
+            <a:endParaRPr lang="en-IN" dirty="0"/>
+          </a:p>
+        </p:txBody>
+      </p:sp>
+      <p:pic>
+        <p:nvPicPr>
+          <p:cNvPr id="7" name="Picture 6">
+            <a:extLst>
+              <a:ext uri="{FF2B5EF4-FFF2-40B4-BE49-F238E27FC236}">
+                <a16:creationId xmlns:a16="http://schemas.microsoft.com/office/drawing/2014/main" id="{77FD8DC4-B4F5-8B81-F71F-3079B80809F5}"/>
+              </a:ext>
+            </a:extLst>
+          </p:cNvPr>
+          <p:cNvPicPr>
+            <a:picLocks noChangeAspect="1"/>
+          </p:cNvPicPr>
+          <p:nvPr/>
+        </p:nvPicPr>
+        <p:blipFill>
+          <a:blip r:embed="rId2"/>
+          <a:stretch>
+            <a:fillRect/>
+          </a:stretch>
+        </p:blipFill>
+        <p:spPr>
+          <a:xfrm>
+            <a:off x="-1" y="4761"/>
+            <a:ext cx="9788577" cy="2093861"/>
+          </a:xfrm>
+          <a:prstGeom prst="rect">
+            <a:avLst/>
+          </a:prstGeom>
+        </p:spPr>
+      </p:pic>
+      <p:pic>
+        <p:nvPicPr>
+          <p:cNvPr id="9" name="Picture 8">
+            <a:extLst>
+              <a:ext uri="{FF2B5EF4-FFF2-40B4-BE49-F238E27FC236}">
+                <a16:creationId xmlns:a16="http://schemas.microsoft.com/office/drawing/2014/main" id="{2D89B9A6-FDB9-3DC6-058C-57DC221703EC}"/>
+              </a:ext>
+            </a:extLst>
+          </p:cNvPr>
+          <p:cNvPicPr>
+            <a:picLocks noChangeAspect="1"/>
+          </p:cNvPicPr>
+          <p:nvPr/>
+        </p:nvPicPr>
+        <p:blipFill>
+          <a:blip r:embed="rId3"/>
+          <a:stretch>
+            <a:fillRect/>
+          </a:stretch>
+        </p:blipFill>
+        <p:spPr>
+          <a:xfrm>
+            <a:off x="0" y="2233559"/>
+            <a:ext cx="9668656" cy="4624441"/>
+          </a:xfrm>
+          <a:prstGeom prst="rect">
+            <a:avLst/>
+          </a:prstGeom>
+        </p:spPr>
+      </p:pic>
+    </p:spTree>
+    <p:extLst>
+      <p:ext uri="{BB962C8B-B14F-4D97-AF65-F5344CB8AC3E}">
+        <p14:creationId xmlns:p14="http://schemas.microsoft.com/office/powerpoint/2010/main" val="3697277018"/>
+      </p:ext>
+    </p:extLst>
+  </p:cSld>
+  <p:clrMapOvr>
+    <a:masterClrMapping/>
+  </p:clrMapOvr>
+</p:sld>
+</file>
+
+<file path=ppt/slides/slide28.xml><?xml version="1.0" encoding="utf-8"?>
+<p:sld xmlns:a="http://schemas.openxmlformats.org/drawingml/2006/main" xmlns:r="http://schemas.openxmlformats.org/officeDocument/2006/relationships" xmlns:p="http://schemas.openxmlformats.org/presentationml/2006/main">
+  <p:cSld>
+    <p:spTree>
+      <p:nvGrpSpPr>
+        <p:cNvPr id="1" name=""/>
+        <p:cNvGrpSpPr/>
+        <p:nvPr/>
+      </p:nvGrpSpPr>
+      <p:grpSpPr>
+        <a:xfrm>
+          <a:off x="0" y="0"/>
+          <a:ext cx="0" cy="0"/>
+          <a:chOff x="0" y="0"/>
+          <a:chExt cx="0" cy="0"/>
+        </a:xfrm>
+      </p:grpSpPr>
+      <p:sp>
+        <p:nvSpPr>
+          <p:cNvPr id="2" name="Title 1">
+            <a:extLst>
+              <a:ext uri="{FF2B5EF4-FFF2-40B4-BE49-F238E27FC236}">
+                <a16:creationId xmlns:a16="http://schemas.microsoft.com/office/drawing/2014/main" id="{66095181-89B3-1912-BCE4-A9437ED58786}"/>
+              </a:ext>
+            </a:extLst>
+          </p:cNvPr>
+          <p:cNvSpPr>
+            <a:spLocks noGrp="1"/>
+          </p:cNvSpPr>
+          <p:nvPr>
+            <p:ph type="title"/>
+          </p:nvPr>
+        </p:nvSpPr>
+        <p:spPr>
+          <a:xfrm>
+            <a:off x="0" y="1"/>
+            <a:ext cx="12192000" cy="681036"/>
+          </a:xfrm>
+        </p:spPr>
+        <p:txBody>
+          <a:bodyPr>
+            <a:normAutofit/>
+          </a:bodyPr>
+          <a:lstStyle/>
+          <a:p>
+            <a:pPr algn="ctr"/>
+            <a:r>
+              <a:rPr lang="en-IN" sz="4000" b="1" dirty="0">
+                <a:latin typeface="Times New Roman" panose="02020603050405020304" pitchFamily="18" charset="0"/>
+                <a:cs typeface="Times New Roman" panose="02020603050405020304" pitchFamily="18" charset="0"/>
+              </a:rPr>
+              <a:t>Utility Theory</a:t>
+            </a:r>
+          </a:p>
+        </p:txBody>
+      </p:sp>
+      <p:sp>
+        <p:nvSpPr>
+          <p:cNvPr id="3" name="Content Placeholder 2">
+            <a:extLst>
+              <a:ext uri="{FF2B5EF4-FFF2-40B4-BE49-F238E27FC236}">
+                <a16:creationId xmlns:a16="http://schemas.microsoft.com/office/drawing/2014/main" id="{55B41B90-A773-94C4-B1D7-9896663BEC71}"/>
+              </a:ext>
+            </a:extLst>
+          </p:cNvPr>
+          <p:cNvSpPr>
+            <a:spLocks noGrp="1"/>
+          </p:cNvSpPr>
+          <p:nvPr>
+            <p:ph idx="1"/>
+          </p:nvPr>
+        </p:nvSpPr>
+        <p:spPr/>
+        <p:txBody>
+          <a:bodyPr/>
+          <a:lstStyle/>
+          <a:p>
+            <a:pPr marL="0" indent="0">
+              <a:buNone/>
+            </a:pPr>
+            <a:r>
+              <a:rPr lang="en-US" dirty="0"/>
+              <a:t> </a:t>
+            </a:r>
+            <a:endParaRPr lang="en-IN" dirty="0"/>
+          </a:p>
+        </p:txBody>
+      </p:sp>
+      <p:pic>
+        <p:nvPicPr>
+          <p:cNvPr id="5" name="Picture 4">
+            <a:extLst>
+              <a:ext uri="{FF2B5EF4-FFF2-40B4-BE49-F238E27FC236}">
+                <a16:creationId xmlns:a16="http://schemas.microsoft.com/office/drawing/2014/main" id="{687A53A9-8261-A3F7-A15D-756A24770B5D}"/>
+              </a:ext>
+            </a:extLst>
+          </p:cNvPr>
+          <p:cNvPicPr>
+            <a:picLocks noChangeAspect="1"/>
+          </p:cNvPicPr>
+          <p:nvPr/>
+        </p:nvPicPr>
+        <p:blipFill>
+          <a:blip r:embed="rId2"/>
+          <a:stretch>
+            <a:fillRect/>
+          </a:stretch>
+        </p:blipFill>
+        <p:spPr>
+          <a:xfrm>
+            <a:off x="0" y="681036"/>
+            <a:ext cx="7734925" cy="3451477"/>
+          </a:xfrm>
+          <a:prstGeom prst="rect">
+            <a:avLst/>
+          </a:prstGeom>
+        </p:spPr>
+      </p:pic>
+      <p:pic>
+        <p:nvPicPr>
+          <p:cNvPr id="7" name="Picture 6">
+            <a:extLst>
+              <a:ext uri="{FF2B5EF4-FFF2-40B4-BE49-F238E27FC236}">
+                <a16:creationId xmlns:a16="http://schemas.microsoft.com/office/drawing/2014/main" id="{5BB478BF-42E3-31FB-18C5-648ADE795CA3}"/>
+              </a:ext>
+            </a:extLst>
+          </p:cNvPr>
+          <p:cNvPicPr>
+            <a:picLocks noChangeAspect="1"/>
+          </p:cNvPicPr>
+          <p:nvPr/>
+        </p:nvPicPr>
+        <p:blipFill>
+          <a:blip r:embed="rId3"/>
+          <a:stretch>
+            <a:fillRect/>
+          </a:stretch>
+        </p:blipFill>
+        <p:spPr>
+          <a:xfrm>
+            <a:off x="6265889" y="2803161"/>
+            <a:ext cx="5161613" cy="4079650"/>
+          </a:xfrm>
+          <a:prstGeom prst="rect">
+            <a:avLst/>
+          </a:prstGeom>
+        </p:spPr>
+      </p:pic>
+    </p:spTree>
+    <p:extLst>
+      <p:ext uri="{BB962C8B-B14F-4D97-AF65-F5344CB8AC3E}">
+        <p14:creationId xmlns:p14="http://schemas.microsoft.com/office/powerpoint/2010/main" val="2454462640"/>
+      </p:ext>
+    </p:extLst>
+  </p:cSld>
+  <p:clrMapOvr>
+    <a:masterClrMapping/>
+  </p:clrMapOvr>
+</p:sld>
+</file>
+
+<file path=ppt/slides/slide29.xml><?xml version="1.0" encoding="utf-8"?>
+<p:sld xmlns:a="http://schemas.openxmlformats.org/drawingml/2006/main" xmlns:r="http://schemas.openxmlformats.org/officeDocument/2006/relationships" xmlns:p="http://schemas.openxmlformats.org/presentationml/2006/main">
+  <p:cSld>
+    <p:spTree>
+      <p:nvGrpSpPr>
+        <p:cNvPr id="1" name=""/>
+        <p:cNvGrpSpPr/>
+        <p:nvPr/>
+      </p:nvGrpSpPr>
+      <p:grpSpPr>
+        <a:xfrm>
+          <a:off x="0" y="0"/>
+          <a:ext cx="0" cy="0"/>
+          <a:chOff x="0" y="0"/>
+          <a:chExt cx="0" cy="0"/>
+        </a:xfrm>
+      </p:grpSpPr>
+      <p:sp>
+        <p:nvSpPr>
+          <p:cNvPr id="2" name="Title 1">
+            <a:extLst>
+              <a:ext uri="{FF2B5EF4-FFF2-40B4-BE49-F238E27FC236}">
+                <a16:creationId xmlns:a16="http://schemas.microsoft.com/office/drawing/2014/main" id="{EBE5157C-C14C-6BD6-EF6D-E70C0C5C9A8E}"/>
+              </a:ext>
+            </a:extLst>
+          </p:cNvPr>
+          <p:cNvSpPr>
+            <a:spLocks noGrp="1"/>
+          </p:cNvSpPr>
+          <p:nvPr>
+            <p:ph type="title"/>
+          </p:nvPr>
+        </p:nvSpPr>
+        <p:spPr/>
+        <p:txBody>
+          <a:bodyPr/>
+          <a:lstStyle/>
+          <a:p>
+            <a:r>
+              <a:rPr lang="en-US" dirty="0"/>
+              <a:t> </a:t>
+            </a:r>
+            <a:endParaRPr lang="en-IN" dirty="0"/>
+          </a:p>
+        </p:txBody>
+      </p:sp>
+      <p:pic>
+        <p:nvPicPr>
+          <p:cNvPr id="5" name="Content Placeholder 4">
+            <a:extLst>
+              <a:ext uri="{FF2B5EF4-FFF2-40B4-BE49-F238E27FC236}">
+                <a16:creationId xmlns:a16="http://schemas.microsoft.com/office/drawing/2014/main" id="{7BFA02AD-799F-4070-E2F4-1406A2AD8126}"/>
+              </a:ext>
+            </a:extLst>
+          </p:cNvPr>
+          <p:cNvPicPr>
+            <a:picLocks noGrp="1" noChangeAspect="1"/>
+          </p:cNvPicPr>
+          <p:nvPr>
+            <p:ph idx="1"/>
+          </p:nvPr>
+        </p:nvPicPr>
+        <p:blipFill>
+          <a:blip r:embed="rId2"/>
+          <a:stretch>
+            <a:fillRect/>
+          </a:stretch>
+        </p:blipFill>
+        <p:spPr>
+          <a:xfrm>
+            <a:off x="0" y="0"/>
+            <a:ext cx="6280880" cy="3587301"/>
+          </a:xfrm>
+        </p:spPr>
+      </p:pic>
+      <p:pic>
+        <p:nvPicPr>
+          <p:cNvPr id="7" name="Picture 6">
+            <a:extLst>
+              <a:ext uri="{FF2B5EF4-FFF2-40B4-BE49-F238E27FC236}">
+                <a16:creationId xmlns:a16="http://schemas.microsoft.com/office/drawing/2014/main" id="{1F38B8EE-876E-AE74-64EC-BAE3EDC19CAB}"/>
+              </a:ext>
+            </a:extLst>
+          </p:cNvPr>
+          <p:cNvPicPr>
+            <a:picLocks noChangeAspect="1"/>
+          </p:cNvPicPr>
+          <p:nvPr/>
+        </p:nvPicPr>
+        <p:blipFill>
+          <a:blip r:embed="rId3"/>
+          <a:stretch>
+            <a:fillRect/>
+          </a:stretch>
+        </p:blipFill>
+        <p:spPr>
+          <a:xfrm>
+            <a:off x="116876" y="3782114"/>
+            <a:ext cx="5339544" cy="3065560"/>
+          </a:xfrm>
+          <a:prstGeom prst="rect">
+            <a:avLst/>
+          </a:prstGeom>
+        </p:spPr>
+      </p:pic>
+    </p:spTree>
+    <p:extLst>
+      <p:ext uri="{BB962C8B-B14F-4D97-AF65-F5344CB8AC3E}">
+        <p14:creationId xmlns:p14="http://schemas.microsoft.com/office/powerpoint/2010/main" val="1122714187"/>
+      </p:ext>
+    </p:extLst>
+  </p:cSld>
+  <p:clrMapOvr>
+    <a:masterClrMapping/>
+  </p:clrMapOvr>
+</p:sld>
+</file>
+
 <file path=ppt/slides/slide3.xml><?xml version="1.0" encoding="utf-8"?>
 <p:sld xmlns:a="http://schemas.openxmlformats.org/drawingml/2006/main" xmlns:r="http://schemas.openxmlformats.org/officeDocument/2006/relationships" xmlns:p="http://schemas.openxmlformats.org/presentationml/2006/main">
   <p:cSld>
@@ -4820,6 +6941,420 @@
     <p:extLst>
       <p:ext uri="{BB962C8B-B14F-4D97-AF65-F5344CB8AC3E}">
         <p14:creationId xmlns:p14="http://schemas.microsoft.com/office/powerpoint/2010/main" val="3371614157"/>
+      </p:ext>
+    </p:extLst>
+  </p:cSld>
+  <p:clrMapOvr>
+    <a:masterClrMapping/>
+  </p:clrMapOvr>
+</p:sld>
+</file>
+
+<file path=ppt/slides/slide30.xml><?xml version="1.0" encoding="utf-8"?>
+<p:sld xmlns:a="http://schemas.openxmlformats.org/drawingml/2006/main" xmlns:r="http://schemas.openxmlformats.org/officeDocument/2006/relationships" xmlns:p="http://schemas.openxmlformats.org/presentationml/2006/main">
+  <p:cSld>
+    <p:spTree>
+      <p:nvGrpSpPr>
+        <p:cNvPr id="1" name=""/>
+        <p:cNvGrpSpPr/>
+        <p:nvPr/>
+      </p:nvGrpSpPr>
+      <p:grpSpPr>
+        <a:xfrm>
+          <a:off x="0" y="0"/>
+          <a:ext cx="0" cy="0"/>
+          <a:chOff x="0" y="0"/>
+          <a:chExt cx="0" cy="0"/>
+        </a:xfrm>
+      </p:grpSpPr>
+      <p:sp>
+        <p:nvSpPr>
+          <p:cNvPr id="2" name="Title 1">
+            <a:extLst>
+              <a:ext uri="{FF2B5EF4-FFF2-40B4-BE49-F238E27FC236}">
+                <a16:creationId xmlns:a16="http://schemas.microsoft.com/office/drawing/2014/main" id="{2E996509-A88F-E6A2-CCAD-791DE7AABF68}"/>
+              </a:ext>
+            </a:extLst>
+          </p:cNvPr>
+          <p:cNvSpPr>
+            <a:spLocks noGrp="1"/>
+          </p:cNvSpPr>
+          <p:nvPr>
+            <p:ph type="title"/>
+          </p:nvPr>
+        </p:nvSpPr>
+        <p:spPr/>
+        <p:txBody>
+          <a:bodyPr/>
+          <a:lstStyle/>
+          <a:p>
+            <a:r>
+              <a:rPr lang="en-US" dirty="0"/>
+              <a:t> </a:t>
+            </a:r>
+            <a:endParaRPr lang="en-IN" dirty="0"/>
+          </a:p>
+        </p:txBody>
+      </p:sp>
+      <p:pic>
+        <p:nvPicPr>
+          <p:cNvPr id="5" name="Content Placeholder 4">
+            <a:extLst>
+              <a:ext uri="{FF2B5EF4-FFF2-40B4-BE49-F238E27FC236}">
+                <a16:creationId xmlns:a16="http://schemas.microsoft.com/office/drawing/2014/main" id="{5D7CAE34-7BC4-35D0-4F12-009A3E0D382B}"/>
+              </a:ext>
+            </a:extLst>
+          </p:cNvPr>
+          <p:cNvPicPr>
+            <a:picLocks noGrp="1" noChangeAspect="1"/>
+          </p:cNvPicPr>
+          <p:nvPr>
+            <p:ph idx="1"/>
+          </p:nvPr>
+        </p:nvPicPr>
+        <p:blipFill>
+          <a:blip r:embed="rId2"/>
+          <a:stretch>
+            <a:fillRect/>
+          </a:stretch>
+        </p:blipFill>
+        <p:spPr>
+          <a:xfrm>
+            <a:off x="0" y="-1"/>
+            <a:ext cx="8964118" cy="3897443"/>
+          </a:xfrm>
+        </p:spPr>
+      </p:pic>
+      <p:pic>
+        <p:nvPicPr>
+          <p:cNvPr id="9" name="Picture 8">
+            <a:extLst>
+              <a:ext uri="{FF2B5EF4-FFF2-40B4-BE49-F238E27FC236}">
+                <a16:creationId xmlns:a16="http://schemas.microsoft.com/office/drawing/2014/main" id="{6302AD04-6DD3-074E-BF29-04ACDD513DF0}"/>
+              </a:ext>
+            </a:extLst>
+          </p:cNvPr>
+          <p:cNvPicPr>
+            <a:picLocks noChangeAspect="1"/>
+          </p:cNvPicPr>
+          <p:nvPr/>
+        </p:nvPicPr>
+        <p:blipFill>
+          <a:blip r:embed="rId3"/>
+          <a:stretch>
+            <a:fillRect/>
+          </a:stretch>
+        </p:blipFill>
+        <p:spPr>
+          <a:xfrm>
+            <a:off x="3357797" y="3569840"/>
+            <a:ext cx="8619085" cy="3072937"/>
+          </a:xfrm>
+          <a:prstGeom prst="rect">
+            <a:avLst/>
+          </a:prstGeom>
+          <a:ln w="38100" cap="sq">
+            <a:solidFill>
+              <a:srgbClr val="000000"/>
+            </a:solidFill>
+            <a:prstDash val="solid"/>
+            <a:miter lim="800000"/>
+          </a:ln>
+          <a:effectLst>
+            <a:outerShdw blurRad="50800" dist="38100" dir="2700000" algn="tl" rotWithShape="0">
+              <a:srgbClr val="000000">
+                <a:alpha val="43000"/>
+              </a:srgbClr>
+            </a:outerShdw>
+          </a:effectLst>
+        </p:spPr>
+      </p:pic>
+    </p:spTree>
+    <p:extLst>
+      <p:ext uri="{BB962C8B-B14F-4D97-AF65-F5344CB8AC3E}">
+        <p14:creationId xmlns:p14="http://schemas.microsoft.com/office/powerpoint/2010/main" val="251272542"/>
+      </p:ext>
+    </p:extLst>
+  </p:cSld>
+  <p:clrMapOvr>
+    <a:masterClrMapping/>
+  </p:clrMapOvr>
+</p:sld>
+</file>
+
+<file path=ppt/slides/slide31.xml><?xml version="1.0" encoding="utf-8"?>
+<p:sld xmlns:a="http://schemas.openxmlformats.org/drawingml/2006/main" xmlns:r="http://schemas.openxmlformats.org/officeDocument/2006/relationships" xmlns:p="http://schemas.openxmlformats.org/presentationml/2006/main">
+  <p:cSld>
+    <p:spTree>
+      <p:nvGrpSpPr>
+        <p:cNvPr id="1" name=""/>
+        <p:cNvGrpSpPr/>
+        <p:nvPr/>
+      </p:nvGrpSpPr>
+      <p:grpSpPr>
+        <a:xfrm>
+          <a:off x="0" y="0"/>
+          <a:ext cx="0" cy="0"/>
+          <a:chOff x="0" y="0"/>
+          <a:chExt cx="0" cy="0"/>
+        </a:xfrm>
+      </p:grpSpPr>
+      <p:sp>
+        <p:nvSpPr>
+          <p:cNvPr id="2" name="Title 1">
+            <a:extLst>
+              <a:ext uri="{FF2B5EF4-FFF2-40B4-BE49-F238E27FC236}">
+                <a16:creationId xmlns:a16="http://schemas.microsoft.com/office/drawing/2014/main" id="{45480792-DE2D-932E-81F9-F2CCA8D411B9}"/>
+              </a:ext>
+            </a:extLst>
+          </p:cNvPr>
+          <p:cNvSpPr>
+            <a:spLocks noGrp="1"/>
+          </p:cNvSpPr>
+          <p:nvPr>
+            <p:ph type="title"/>
+          </p:nvPr>
+        </p:nvSpPr>
+        <p:spPr>
+          <a:xfrm>
+            <a:off x="0" y="1"/>
+            <a:ext cx="11353800" cy="681036"/>
+          </a:xfrm>
+        </p:spPr>
+        <p:txBody>
+          <a:bodyPr>
+            <a:normAutofit/>
+          </a:bodyPr>
+          <a:lstStyle/>
+          <a:p>
+            <a:r>
+              <a:rPr lang="en-US" sz="3200" b="1" dirty="0">
+                <a:latin typeface="Times New Roman" panose="02020603050405020304" pitchFamily="18" charset="0"/>
+                <a:cs typeface="Times New Roman" panose="02020603050405020304" pitchFamily="18" charset="0"/>
+              </a:rPr>
+              <a:t>Another Example:-</a:t>
+            </a:r>
+            <a:endParaRPr lang="en-IN" sz="3200" b="1" dirty="0">
+              <a:latin typeface="Times New Roman" panose="02020603050405020304" pitchFamily="18" charset="0"/>
+              <a:cs typeface="Times New Roman" panose="02020603050405020304" pitchFamily="18" charset="0"/>
+            </a:endParaRPr>
+          </a:p>
+        </p:txBody>
+      </p:sp>
+      <p:sp>
+        <p:nvSpPr>
+          <p:cNvPr id="3" name="Content Placeholder 2">
+            <a:extLst>
+              <a:ext uri="{FF2B5EF4-FFF2-40B4-BE49-F238E27FC236}">
+                <a16:creationId xmlns:a16="http://schemas.microsoft.com/office/drawing/2014/main" id="{CB7E1000-9DAA-7BED-9788-DBC98A29CA13}"/>
+              </a:ext>
+            </a:extLst>
+          </p:cNvPr>
+          <p:cNvSpPr>
+            <a:spLocks noGrp="1"/>
+          </p:cNvSpPr>
+          <p:nvPr>
+            <p:ph idx="1"/>
+          </p:nvPr>
+        </p:nvSpPr>
+        <p:spPr/>
+        <p:txBody>
+          <a:bodyPr/>
+          <a:lstStyle/>
+          <a:p>
+            <a:pPr marL="0" indent="0">
+              <a:buNone/>
+            </a:pPr>
+            <a:r>
+              <a:rPr lang="en-US" dirty="0"/>
+              <a:t> </a:t>
+            </a:r>
+            <a:endParaRPr lang="en-IN" dirty="0"/>
+          </a:p>
+        </p:txBody>
+      </p:sp>
+      <p:pic>
+        <p:nvPicPr>
+          <p:cNvPr id="5" name="Picture 4">
+            <a:extLst>
+              <a:ext uri="{FF2B5EF4-FFF2-40B4-BE49-F238E27FC236}">
+                <a16:creationId xmlns:a16="http://schemas.microsoft.com/office/drawing/2014/main" id="{6D6D2D8F-62A2-6D6F-6FC2-8A79FCEA7003}"/>
+              </a:ext>
+            </a:extLst>
+          </p:cNvPr>
+          <p:cNvPicPr>
+            <a:picLocks noChangeAspect="1"/>
+          </p:cNvPicPr>
+          <p:nvPr/>
+        </p:nvPicPr>
+        <p:blipFill>
+          <a:blip r:embed="rId2"/>
+          <a:stretch>
+            <a:fillRect/>
+          </a:stretch>
+        </p:blipFill>
+        <p:spPr>
+          <a:xfrm>
+            <a:off x="-1" y="681036"/>
+            <a:ext cx="8904158" cy="1702400"/>
+          </a:xfrm>
+          <a:prstGeom prst="rect">
+            <a:avLst/>
+          </a:prstGeom>
+        </p:spPr>
+      </p:pic>
+      <p:pic>
+        <p:nvPicPr>
+          <p:cNvPr id="7" name="Picture 6">
+            <a:extLst>
+              <a:ext uri="{FF2B5EF4-FFF2-40B4-BE49-F238E27FC236}">
+                <a16:creationId xmlns:a16="http://schemas.microsoft.com/office/drawing/2014/main" id="{D9E78997-926E-7EE2-2AF8-D7E83A915741}"/>
+              </a:ext>
+            </a:extLst>
+          </p:cNvPr>
+          <p:cNvPicPr>
+            <a:picLocks noChangeAspect="1"/>
+          </p:cNvPicPr>
+          <p:nvPr/>
+        </p:nvPicPr>
+        <p:blipFill>
+          <a:blip r:embed="rId3"/>
+          <a:stretch>
+            <a:fillRect/>
+          </a:stretch>
+        </p:blipFill>
+        <p:spPr>
+          <a:xfrm>
+            <a:off x="-1" y="2506662"/>
+            <a:ext cx="8904158" cy="4351338"/>
+          </a:xfrm>
+          <a:prstGeom prst="rect">
+            <a:avLst/>
+          </a:prstGeom>
+        </p:spPr>
+      </p:pic>
+    </p:spTree>
+    <p:extLst>
+      <p:ext uri="{BB962C8B-B14F-4D97-AF65-F5344CB8AC3E}">
+        <p14:creationId xmlns:p14="http://schemas.microsoft.com/office/powerpoint/2010/main" val="2243884362"/>
+      </p:ext>
+    </p:extLst>
+  </p:cSld>
+  <p:clrMapOvr>
+    <a:masterClrMapping/>
+  </p:clrMapOvr>
+</p:sld>
+</file>
+
+<file path=ppt/slides/slide32.xml><?xml version="1.0" encoding="utf-8"?>
+<p:sld xmlns:a="http://schemas.openxmlformats.org/drawingml/2006/main" xmlns:r="http://schemas.openxmlformats.org/officeDocument/2006/relationships" xmlns:p="http://schemas.openxmlformats.org/presentationml/2006/main">
+  <p:cSld>
+    <p:spTree>
+      <p:nvGrpSpPr>
+        <p:cNvPr id="1" name=""/>
+        <p:cNvGrpSpPr/>
+        <p:nvPr/>
+      </p:nvGrpSpPr>
+      <p:grpSpPr>
+        <a:xfrm>
+          <a:off x="0" y="0"/>
+          <a:ext cx="0" cy="0"/>
+          <a:chOff x="0" y="0"/>
+          <a:chExt cx="0" cy="0"/>
+        </a:xfrm>
+      </p:grpSpPr>
+      <p:sp>
+        <p:nvSpPr>
+          <p:cNvPr id="2" name="Title 1">
+            <a:extLst>
+              <a:ext uri="{FF2B5EF4-FFF2-40B4-BE49-F238E27FC236}">
+                <a16:creationId xmlns:a16="http://schemas.microsoft.com/office/drawing/2014/main" id="{6388DCC6-64E6-7227-171B-8A8BBA908B52}"/>
+              </a:ext>
+            </a:extLst>
+          </p:cNvPr>
+          <p:cNvSpPr>
+            <a:spLocks noGrp="1"/>
+          </p:cNvSpPr>
+          <p:nvPr>
+            <p:ph type="title"/>
+          </p:nvPr>
+        </p:nvSpPr>
+        <p:spPr/>
+        <p:txBody>
+          <a:bodyPr/>
+          <a:lstStyle/>
+          <a:p>
+            <a:r>
+              <a:rPr lang="en-US" dirty="0"/>
+              <a:t> </a:t>
+            </a:r>
+            <a:endParaRPr lang="en-IN" dirty="0"/>
+          </a:p>
+        </p:txBody>
+      </p:sp>
+      <p:pic>
+        <p:nvPicPr>
+          <p:cNvPr id="5" name="Content Placeholder 4">
+            <a:extLst>
+              <a:ext uri="{FF2B5EF4-FFF2-40B4-BE49-F238E27FC236}">
+                <a16:creationId xmlns:a16="http://schemas.microsoft.com/office/drawing/2014/main" id="{20C515BF-1C8C-28B5-CFF1-79AAFDADD578}"/>
+              </a:ext>
+            </a:extLst>
+          </p:cNvPr>
+          <p:cNvPicPr>
+            <a:picLocks noGrp="1" noChangeAspect="1"/>
+          </p:cNvPicPr>
+          <p:nvPr>
+            <p:ph idx="1"/>
+          </p:nvPr>
+        </p:nvPicPr>
+        <p:blipFill>
+          <a:blip r:embed="rId2"/>
+          <a:stretch>
+            <a:fillRect/>
+          </a:stretch>
+        </p:blipFill>
+        <p:spPr>
+          <a:xfrm>
+            <a:off x="161924" y="188911"/>
+            <a:ext cx="2461355" cy="641339"/>
+          </a:xfrm>
+        </p:spPr>
+      </p:pic>
+      <p:pic>
+        <p:nvPicPr>
+          <p:cNvPr id="7" name="Picture 6">
+            <a:extLst>
+              <a:ext uri="{FF2B5EF4-FFF2-40B4-BE49-F238E27FC236}">
+                <a16:creationId xmlns:a16="http://schemas.microsoft.com/office/drawing/2014/main" id="{29398B27-4B78-1AF6-99AD-B4518EC47954}"/>
+              </a:ext>
+            </a:extLst>
+          </p:cNvPr>
+          <p:cNvPicPr>
+            <a:picLocks noChangeAspect="1"/>
+          </p:cNvPicPr>
+          <p:nvPr/>
+        </p:nvPicPr>
+        <p:blipFill>
+          <a:blip r:embed="rId3"/>
+          <a:stretch>
+            <a:fillRect/>
+          </a:stretch>
+        </p:blipFill>
+        <p:spPr>
+          <a:xfrm>
+            <a:off x="161923" y="925721"/>
+            <a:ext cx="10868415" cy="5567154"/>
+          </a:xfrm>
+          <a:prstGeom prst="rect">
+            <a:avLst/>
+          </a:prstGeom>
+        </p:spPr>
+      </p:pic>
+    </p:spTree>
+    <p:extLst>
+      <p:ext uri="{BB962C8B-B14F-4D97-AF65-F5344CB8AC3E}">
+        <p14:creationId xmlns:p14="http://schemas.microsoft.com/office/powerpoint/2010/main" val="354420884"/>
       </p:ext>
     </p:extLst>
   </p:cSld>
@@ -5341,10 +7876,10 @@
       </p:sp>
       <p:pic>
         <p:nvPicPr>
-          <p:cNvPr id="5" name="Picture 4">
-            <a:extLst>
-              <a:ext uri="{FF2B5EF4-FFF2-40B4-BE49-F238E27FC236}">
-                <a16:creationId xmlns:a16="http://schemas.microsoft.com/office/drawing/2014/main" id="{3BD588A6-90A2-E17A-AE3D-00108C83E806}"/>
+          <p:cNvPr id="6" name="Picture 5">
+            <a:extLst>
+              <a:ext uri="{FF2B5EF4-FFF2-40B4-BE49-F238E27FC236}">
+                <a16:creationId xmlns:a16="http://schemas.microsoft.com/office/drawing/2014/main" id="{19F831D9-5045-E080-E88A-A46A301D8A8E}"/>
               </a:ext>
             </a:extLst>
           </p:cNvPr>
@@ -5361,38 +7896,8 @@
         </p:blipFill>
         <p:spPr>
           <a:xfrm>
-            <a:off x="0" y="-1"/>
-            <a:ext cx="11017770" cy="3852497"/>
-          </a:xfrm>
-          <a:prstGeom prst="rect">
-            <a:avLst/>
-          </a:prstGeom>
-        </p:spPr>
-      </p:pic>
-      <p:pic>
-        <p:nvPicPr>
-          <p:cNvPr id="7" name="Picture 6">
-            <a:extLst>
-              <a:ext uri="{FF2B5EF4-FFF2-40B4-BE49-F238E27FC236}">
-                <a16:creationId xmlns:a16="http://schemas.microsoft.com/office/drawing/2014/main" id="{7297413A-A273-67F9-2127-FCCE41AC81F6}"/>
-              </a:ext>
-            </a:extLst>
-          </p:cNvPr>
-          <p:cNvPicPr>
-            <a:picLocks noChangeAspect="1"/>
-          </p:cNvPicPr>
-          <p:nvPr/>
-        </p:nvPicPr>
-        <p:blipFill>
-          <a:blip r:embed="rId3"/>
-          <a:stretch>
-            <a:fillRect/>
-          </a:stretch>
-        </p:blipFill>
-        <p:spPr>
-          <a:xfrm>
-            <a:off x="0" y="3964923"/>
-            <a:ext cx="10403174" cy="2893077"/>
+            <a:off x="0" y="0"/>
+            <a:ext cx="11197652" cy="6858000"/>
           </a:xfrm>
           <a:prstGeom prst="rect">
             <a:avLst/>
@@ -5550,6 +8055,96 @@
           </a:prstGeom>
         </p:spPr>
       </p:pic>
+      <p:pic>
+        <p:nvPicPr>
+          <p:cNvPr id="6" name="Picture 5">
+            <a:extLst>
+              <a:ext uri="{FF2B5EF4-FFF2-40B4-BE49-F238E27FC236}">
+                <a16:creationId xmlns:a16="http://schemas.microsoft.com/office/drawing/2014/main" id="{11F80BCC-D072-D71A-6F33-88D1135100AA}"/>
+              </a:ext>
+            </a:extLst>
+          </p:cNvPr>
+          <p:cNvPicPr>
+            <a:picLocks noChangeAspect="1"/>
+          </p:cNvPicPr>
+          <p:nvPr/>
+        </p:nvPicPr>
+        <p:blipFill>
+          <a:blip r:embed="rId4"/>
+          <a:stretch>
+            <a:fillRect/>
+          </a:stretch>
+        </p:blipFill>
+        <p:spPr>
+          <a:xfrm>
+            <a:off x="4991726" y="5636303"/>
+            <a:ext cx="7200274" cy="1221696"/>
+          </a:xfrm>
+          <a:prstGeom prst="rect">
+            <a:avLst/>
+          </a:prstGeom>
+        </p:spPr>
+      </p:pic>
+      <p:pic>
+        <p:nvPicPr>
+          <p:cNvPr id="7" name="Picture 6">
+            <a:extLst>
+              <a:ext uri="{FF2B5EF4-FFF2-40B4-BE49-F238E27FC236}">
+                <a16:creationId xmlns:a16="http://schemas.microsoft.com/office/drawing/2014/main" id="{589CC201-B782-7E90-8F66-7C4232251848}"/>
+              </a:ext>
+            </a:extLst>
+          </p:cNvPr>
+          <p:cNvPicPr>
+            <a:picLocks noChangeAspect="1"/>
+          </p:cNvPicPr>
+          <p:nvPr/>
+        </p:nvPicPr>
+        <p:blipFill>
+          <a:blip r:embed="rId5"/>
+          <a:stretch>
+            <a:fillRect/>
+          </a:stretch>
+        </p:blipFill>
+        <p:spPr>
+          <a:xfrm>
+            <a:off x="2356771" y="2773180"/>
+            <a:ext cx="5243242" cy="655820"/>
+          </a:xfrm>
+          <a:prstGeom prst="rect">
+            <a:avLst/>
+          </a:prstGeom>
+        </p:spPr>
+      </p:pic>
+      <p:pic>
+        <p:nvPicPr>
+          <p:cNvPr id="9" name="Picture 8">
+            <a:extLst>
+              <a:ext uri="{FF2B5EF4-FFF2-40B4-BE49-F238E27FC236}">
+                <a16:creationId xmlns:a16="http://schemas.microsoft.com/office/drawing/2014/main" id="{48B92F7A-8F9C-F3D0-EC1F-DEF673F91AAB}"/>
+              </a:ext>
+            </a:extLst>
+          </p:cNvPr>
+          <p:cNvPicPr>
+            <a:picLocks noChangeAspect="1"/>
+          </p:cNvPicPr>
+          <p:nvPr/>
+        </p:nvPicPr>
+        <p:blipFill>
+          <a:blip r:embed="rId6"/>
+          <a:stretch>
+            <a:fillRect/>
+          </a:stretch>
+        </p:blipFill>
+        <p:spPr>
+          <a:xfrm>
+            <a:off x="2356772" y="4706911"/>
+            <a:ext cx="5243241" cy="475313"/>
+          </a:xfrm>
+          <a:prstGeom prst="rect">
+            <a:avLst/>
+          </a:prstGeom>
+        </p:spPr>
+      </p:pic>
     </p:spTree>
     <p:extLst>
       <p:ext uri="{BB962C8B-B14F-4D97-AF65-F5344CB8AC3E}">
@@ -5585,7 +8180,7 @@
           <p:cNvPr id="2" name="Title 1">
             <a:extLst>
               <a:ext uri="{FF2B5EF4-FFF2-40B4-BE49-F238E27FC236}">
-                <a16:creationId xmlns:a16="http://schemas.microsoft.com/office/drawing/2014/main" id="{FFFEC804-C745-A73E-494E-95559B5913C9}"/>
+                <a16:creationId xmlns:a16="http://schemas.microsoft.com/office/drawing/2014/main" id="{A006CE73-7294-1637-C7C1-2E94513C0239}"/>
               </a:ext>
             </a:extLst>
           </p:cNvPr>
@@ -5609,131 +8204,39 @@
           </a:p>
         </p:txBody>
       </p:sp>
-      <p:sp>
-        <p:nvSpPr>
-          <p:cNvPr id="3" name="Content Placeholder 2">
-            <a:extLst>
-              <a:ext uri="{FF2B5EF4-FFF2-40B4-BE49-F238E27FC236}">
-                <a16:creationId xmlns:a16="http://schemas.microsoft.com/office/drawing/2014/main" id="{5DF202B4-A2B0-895D-A661-DF1D91302770}"/>
-              </a:ext>
-            </a:extLst>
-          </p:cNvPr>
-          <p:cNvSpPr>
-            <a:spLocks noGrp="1"/>
-          </p:cNvSpPr>
-          <p:nvPr>
-            <p:ph idx="1"/>
-          </p:nvPr>
-        </p:nvSpPr>
-        <p:spPr/>
-        <p:txBody>
-          <a:bodyPr/>
-          <a:lstStyle/>
-          <a:p>
-            <a:pPr marL="0" indent="0">
-              <a:buNone/>
-            </a:pPr>
-            <a:r>
-              <a:rPr lang="en-US" dirty="0"/>
-              <a:t> </a:t>
-            </a:r>
-            <a:endParaRPr lang="en-IN" dirty="0"/>
-          </a:p>
-        </p:txBody>
-      </p:sp>
       <p:pic>
         <p:nvPicPr>
-          <p:cNvPr id="5" name="Picture 4">
-            <a:extLst>
-              <a:ext uri="{FF2B5EF4-FFF2-40B4-BE49-F238E27FC236}">
-                <a16:creationId xmlns:a16="http://schemas.microsoft.com/office/drawing/2014/main" id="{9FCDEE3A-3B8E-BEE4-F916-DE4481E4423C}"/>
+          <p:cNvPr id="9" name="Content Placeholder 8">
+            <a:extLst>
+              <a:ext uri="{FF2B5EF4-FFF2-40B4-BE49-F238E27FC236}">
+                <a16:creationId xmlns:a16="http://schemas.microsoft.com/office/drawing/2014/main" id="{F0C65624-ED10-88DB-71DB-5E2C99F3A320}"/>
               </a:ext>
             </a:extLst>
           </p:cNvPr>
           <p:cNvPicPr>
-            <a:picLocks noChangeAspect="1"/>
+            <a:picLocks noGrp="1" noChangeAspect="1"/>
           </p:cNvPicPr>
-          <p:nvPr/>
-        </p:nvPicPr>
-        <p:blipFill rotWithShape="1">
-          <a:blip r:embed="rId2"/>
-          <a:srcRect b="71565"/>
-          <a:stretch/>
-        </p:blipFill>
-        <p:spPr>
-          <a:xfrm>
-            <a:off x="0" y="0"/>
-            <a:ext cx="11242204" cy="480740"/>
-          </a:xfrm>
-          <a:prstGeom prst="rect">
-            <a:avLst/>
-          </a:prstGeom>
-        </p:spPr>
-      </p:pic>
-      <p:pic>
-        <p:nvPicPr>
-          <p:cNvPr id="7" name="Picture 6">
-            <a:extLst>
-              <a:ext uri="{FF2B5EF4-FFF2-40B4-BE49-F238E27FC236}">
-                <a16:creationId xmlns:a16="http://schemas.microsoft.com/office/drawing/2014/main" id="{8D07F094-C4C5-F109-A672-1EA432319D6A}"/>
-              </a:ext>
-            </a:extLst>
-          </p:cNvPr>
-          <p:cNvPicPr>
-            <a:picLocks noChangeAspect="1"/>
-          </p:cNvPicPr>
-          <p:nvPr/>
+          <p:nvPr>
+            <p:ph idx="1"/>
+          </p:nvPr>
         </p:nvPicPr>
         <p:blipFill>
-          <a:blip r:embed="rId3"/>
+          <a:blip r:embed="rId2"/>
           <a:stretch>
             <a:fillRect/>
           </a:stretch>
         </p:blipFill>
         <p:spPr>
           <a:xfrm>
-            <a:off x="114105" y="542748"/>
-            <a:ext cx="9344688" cy="1963913"/>
-          </a:xfrm>
-          <a:prstGeom prst="rect">
-            <a:avLst/>
-          </a:prstGeom>
-        </p:spPr>
-      </p:pic>
-      <p:pic>
-        <p:nvPicPr>
-          <p:cNvPr id="9" name="Picture 8">
-            <a:extLst>
-              <a:ext uri="{FF2B5EF4-FFF2-40B4-BE49-F238E27FC236}">
-                <a16:creationId xmlns:a16="http://schemas.microsoft.com/office/drawing/2014/main" id="{668E9439-9458-C496-224D-807170AB3773}"/>
-              </a:ext>
-            </a:extLst>
-          </p:cNvPr>
-          <p:cNvPicPr>
-            <a:picLocks noChangeAspect="1"/>
-          </p:cNvPicPr>
-          <p:nvPr/>
-        </p:nvPicPr>
-        <p:blipFill>
-          <a:blip r:embed="rId4"/>
-          <a:stretch>
-            <a:fillRect/>
-          </a:stretch>
-        </p:blipFill>
-        <p:spPr>
-          <a:xfrm>
-            <a:off x="114105" y="2506662"/>
-            <a:ext cx="8850013" cy="4351338"/>
-          </a:xfrm>
-          <a:prstGeom prst="rect">
-            <a:avLst/>
-          </a:prstGeom>
+            <a:off x="0" y="365125"/>
+            <a:ext cx="11549082" cy="5870783"/>
+          </a:xfrm>
         </p:spPr>
       </p:pic>
     </p:spTree>
     <p:extLst>
       <p:ext uri="{BB962C8B-B14F-4D97-AF65-F5344CB8AC3E}">
-        <p14:creationId xmlns:p14="http://schemas.microsoft.com/office/powerpoint/2010/main" val="782231885"/>
+        <p14:creationId xmlns:p14="http://schemas.microsoft.com/office/powerpoint/2010/main" val="3270300940"/>
       </p:ext>
     </p:extLst>
   </p:cSld>
